--- a/Azure Mobile App/Azure Mobile App.pptx
+++ b/Azure Mobile App/Azure Mobile App.pptx
@@ -6,25 +6,20 @@
     <p:sldMasterId id="2147483660" r:id="rId2"/>
   </p:sldMasterIdLst>
   <p:notesMasterIdLst>
-    <p:notesMasterId r:id="rId19"/>
+    <p:notesMasterId r:id="rId14"/>
   </p:notesMasterIdLst>
   <p:sldIdLst>
     <p:sldId id="256" r:id="rId3"/>
-    <p:sldId id="294" r:id="rId4"/>
-    <p:sldId id="316" r:id="rId5"/>
-    <p:sldId id="318" r:id="rId6"/>
-    <p:sldId id="296" r:id="rId7"/>
-    <p:sldId id="320" r:id="rId8"/>
-    <p:sldId id="317" r:id="rId9"/>
-    <p:sldId id="319" r:id="rId10"/>
-    <p:sldId id="321" r:id="rId11"/>
-    <p:sldId id="322" r:id="rId12"/>
-    <p:sldId id="323" r:id="rId13"/>
-    <p:sldId id="324" r:id="rId14"/>
-    <p:sldId id="325" r:id="rId15"/>
-    <p:sldId id="286" r:id="rId16"/>
-    <p:sldId id="326" r:id="rId17"/>
-    <p:sldId id="293" r:id="rId18"/>
+    <p:sldId id="317" r:id="rId4"/>
+    <p:sldId id="319" r:id="rId5"/>
+    <p:sldId id="321" r:id="rId6"/>
+    <p:sldId id="322" r:id="rId7"/>
+    <p:sldId id="323" r:id="rId8"/>
+    <p:sldId id="324" r:id="rId9"/>
+    <p:sldId id="325" r:id="rId10"/>
+    <p:sldId id="286" r:id="rId11"/>
+    <p:sldId id="326" r:id="rId12"/>
+    <p:sldId id="293" r:id="rId13"/>
   </p:sldIdLst>
   <p:sldSz cx="12192000" cy="6858000"/>
   <p:notesSz cx="7019925" cy="9305925"/>
@@ -569,90 +564,6 @@
 </p:notes>
 </file>
 
-<file path=ppt/notesSlides/notesSlide10.xml><?xml version="1.0" encoding="utf-8"?>
-<p:notes xmlns:a="http://schemas.openxmlformats.org/drawingml/2006/main" xmlns:r="http://schemas.openxmlformats.org/officeDocument/2006/relationships" xmlns:p="http://schemas.openxmlformats.org/presentationml/2006/main">
-  <p:cSld>
-    <p:spTree>
-      <p:nvGrpSpPr>
-        <p:cNvPr id="1" name=""/>
-        <p:cNvGrpSpPr/>
-        <p:nvPr/>
-      </p:nvGrpSpPr>
-      <p:grpSpPr>
-        <a:xfrm>
-          <a:off x="0" y="0"/>
-          <a:ext cx="0" cy="0"/>
-          <a:chOff x="0" y="0"/>
-          <a:chExt cx="0" cy="0"/>
-        </a:xfrm>
-      </p:grpSpPr>
-      <p:sp>
-        <p:nvSpPr>
-          <p:cNvPr id="2" name="Slide Image Placeholder 1"/>
-          <p:cNvSpPr>
-            <a:spLocks noGrp="1" noRot="1" noChangeAspect="1"/>
-          </p:cNvSpPr>
-          <p:nvPr>
-            <p:ph type="sldImg"/>
-          </p:nvPr>
-        </p:nvSpPr>
-        <p:spPr/>
-      </p:sp>
-      <p:sp>
-        <p:nvSpPr>
-          <p:cNvPr id="3" name="Notes Placeholder 2"/>
-          <p:cNvSpPr>
-            <a:spLocks noGrp="1"/>
-          </p:cNvSpPr>
-          <p:nvPr>
-            <p:ph type="body" idx="1"/>
-          </p:nvPr>
-        </p:nvSpPr>
-        <p:spPr/>
-        <p:txBody>
-          <a:bodyPr/>
-          <a:lstStyle/>
-          <a:p>
-            <a:endParaRPr lang="ko-KR" altLang="en-US"/>
-          </a:p>
-        </p:txBody>
-      </p:sp>
-      <p:sp>
-        <p:nvSpPr>
-          <p:cNvPr id="4" name="Slide Number Placeholder 3"/>
-          <p:cNvSpPr>
-            <a:spLocks noGrp="1"/>
-          </p:cNvSpPr>
-          <p:nvPr>
-            <p:ph type="sldNum" sz="quarter" idx="10"/>
-          </p:nvPr>
-        </p:nvSpPr>
-        <p:spPr/>
-        <p:txBody>
-          <a:bodyPr/>
-          <a:lstStyle/>
-          <a:p>
-            <a:fld id="{0DACA005-7098-44E7-9D9B-6670FD9D69A5}" type="slidenum">
-              <a:rPr lang="ko-KR" altLang="en-US" smtClean="0"/>
-              <a:t>16</a:t>
-            </a:fld>
-            <a:endParaRPr lang="ko-KR" altLang="en-US"/>
-          </a:p>
-        </p:txBody>
-      </p:sp>
-    </p:spTree>
-    <p:extLst>
-      <p:ext uri="{BB962C8B-B14F-4D97-AF65-F5344CB8AC3E}">
-        <p14:creationId xmlns:p14="http://schemas.microsoft.com/office/powerpoint/2010/main" val="2073642339"/>
-      </p:ext>
-    </p:extLst>
-  </p:cSld>
-  <p:clrMapOvr>
-    <a:masterClrMapping/>
-  </p:clrMapOvr>
-</p:notes>
-</file>
-
 <file path=ppt/notesSlides/notesSlide2.xml><?xml version="1.0" encoding="utf-8"?>
 <p:notes xmlns:a="http://schemas.openxmlformats.org/drawingml/2006/main" xmlns:r="http://schemas.openxmlformats.org/officeDocument/2006/relationships" xmlns:p="http://schemas.openxmlformats.org/presentationml/2006/main">
   <p:cSld>
@@ -697,21 +608,22 @@
           <a:bodyPr/>
           <a:lstStyle/>
           <a:p>
-            <a:endParaRPr lang="en-US" dirty="0">
-              <a:latin typeface="청소년서체" panose="02020603020101020101" pitchFamily="18" charset="-127"/>
-              <a:ea typeface="청소년서체" panose="02020603020101020101" pitchFamily="18" charset="-127"/>
-            </a:endParaRPr>
+            <a:r>
+              <a:rPr lang="en-US" altLang="ko-KR" dirty="0"/>
+              <a:t>https://docs.microsoft.com/en-us/azure/app-service-mobile/app-service-mobile-xamarin-forms-get-started-users</a:t>
+            </a:r>
+            <a:endParaRPr lang="ko-KR" altLang="en-US" dirty="0"/>
           </a:p>
         </p:txBody>
       </p:sp>
       <p:sp>
         <p:nvSpPr>
-          <p:cNvPr id="4" name="Header Placeholder 3"/>
+          <p:cNvPr id="4" name="Slide Number Placeholder 3"/>
           <p:cNvSpPr>
             <a:spLocks noGrp="1"/>
           </p:cNvSpPr>
           <p:nvPr>
-            <p:ph type="hdr" sz="quarter" idx="10"/>
+            <p:ph type="sldNum" sz="quarter" idx="10"/>
           </p:nvPr>
         </p:nvSpPr>
         <p:spPr/>
@@ -719,292 +631,18 @@
           <a:bodyPr/>
           <a:lstStyle/>
           <a:p>
-            <a:pPr marL="0" marR="0" lvl="0" indent="0" algn="l" defTabSz="932742" rtl="0" eaLnBrk="1" fontAlgn="auto" latinLnBrk="0" hangingPunct="1">
-              <a:lnSpc>
-                <a:spcPct val="100000"/>
-              </a:lnSpc>
-              <a:spcBef>
-                <a:spcPts val="0"/>
-              </a:spcBef>
-              <a:spcAft>
-                <a:spcPts val="0"/>
-              </a:spcAft>
-              <a:buClrTx/>
-              <a:buSzTx/>
-              <a:buFontTx/>
-              <a:buNone/>
-              <a:tabLst/>
-              <a:defRPr/>
-            </a:pPr>
-            <a:endParaRPr kumimoji="0" lang="en-US" sz="1200" b="0" i="0" u="none" strike="noStrike" kern="1200" cap="none" spc="0" normalizeH="0" baseline="0" noProof="0" dirty="0">
-              <a:ln>
-                <a:noFill/>
-              </a:ln>
-              <a:solidFill>
-                <a:prstClr val="black"/>
-              </a:solidFill>
-              <a:effectLst/>
-              <a:uLnTx/>
-              <a:uFillTx/>
-              <a:latin typeface="Segoe UI" pitchFamily="34" charset="0"/>
-              <a:ea typeface="+mn-ea"/>
-              <a:cs typeface="+mn-cs"/>
-            </a:endParaRPr>
-          </a:p>
-        </p:txBody>
-      </p:sp>
-      <p:sp>
-        <p:nvSpPr>
-          <p:cNvPr id="5" name="Footer Placeholder 4"/>
-          <p:cNvSpPr>
-            <a:spLocks noGrp="1"/>
-          </p:cNvSpPr>
-          <p:nvPr>
-            <p:ph type="ftr" sz="quarter" idx="11"/>
-          </p:nvPr>
-        </p:nvSpPr>
-        <p:spPr/>
-        <p:txBody>
-          <a:bodyPr/>
-          <a:lstStyle/>
-          <a:p>
-            <a:pPr marL="571500" marR="0" lvl="0" indent="0" algn="l" defTabSz="914099" rtl="0" eaLnBrk="0" fontAlgn="auto" latinLnBrk="0" hangingPunct="0">
-              <a:lnSpc>
-                <a:spcPct val="100000"/>
-              </a:lnSpc>
-              <a:spcBef>
-                <a:spcPts val="0"/>
-              </a:spcBef>
-              <a:spcAft>
-                <a:spcPts val="0"/>
-              </a:spcAft>
-              <a:buClrTx/>
-              <a:buSzTx/>
-              <a:buFontTx/>
-              <a:buNone/>
-              <a:tabLst/>
-              <a:defRPr/>
-            </a:pPr>
-            <a:r>
-              <a:rPr kumimoji="0" lang="en-US" sz="400" b="0" i="0" u="none" strike="noStrike" kern="1200" cap="none" spc="0" normalizeH="0" baseline="0" noProof="0">
-                <a:ln>
-                  <a:noFill/>
-                </a:ln>
-                <a:gradFill>
-                  <a:gsLst>
-                    <a:gs pos="0">
-                      <a:prstClr val="black"/>
-                    </a:gs>
-                    <a:gs pos="100000">
-                      <a:prstClr val="black"/>
-                    </a:gs>
-                  </a:gsLst>
-                  <a:lin ang="5400000" scaled="0"/>
-                </a:gradFill>
-                <a:effectLst/>
-                <a:uLnTx/>
-                <a:uFillTx/>
-                <a:latin typeface="Segoe UI" pitchFamily="34" charset="0"/>
-                <a:ea typeface="Segoe UI" pitchFamily="34" charset="0"/>
-                <a:cs typeface="Segoe UI" pitchFamily="34" charset="0"/>
-              </a:rPr>
-              <a:t>© Microsoft Corporation. All rights reserved. MICROSOFT MAKES NO WARRANTIES, EXPRESS, IMPLIED OR STATUTORY, AS TO THE INFORMATION IN THIS PRESENTATION.</a:t>
-            </a:r>
-            <a:endParaRPr kumimoji="0" lang="en-US" sz="400" b="0" i="0" u="none" strike="noStrike" kern="1200" cap="none" spc="0" normalizeH="0" baseline="0" noProof="0" dirty="0">
-              <a:ln>
-                <a:noFill/>
-              </a:ln>
-              <a:gradFill>
-                <a:gsLst>
-                  <a:gs pos="0">
-                    <a:prstClr val="black"/>
-                  </a:gs>
-                  <a:gs pos="100000">
-                    <a:prstClr val="black"/>
-                  </a:gs>
-                </a:gsLst>
-                <a:lin ang="5400000" scaled="0"/>
-              </a:gradFill>
-              <a:effectLst/>
-              <a:uLnTx/>
-              <a:uFillTx/>
-              <a:latin typeface="Segoe UI" pitchFamily="34" charset="0"/>
-              <a:ea typeface="Segoe UI" pitchFamily="34" charset="0"/>
-              <a:cs typeface="Segoe UI" pitchFamily="34" charset="0"/>
-            </a:endParaRPr>
-          </a:p>
-        </p:txBody>
-      </p:sp>
-      <p:sp>
-        <p:nvSpPr>
-          <p:cNvPr id="6" name="Date Placeholder 5"/>
-          <p:cNvSpPr>
-            <a:spLocks noGrp="1"/>
-          </p:cNvSpPr>
-          <p:nvPr>
-            <p:ph type="dt" idx="12"/>
-          </p:nvPr>
-        </p:nvSpPr>
-        <p:spPr/>
-        <p:txBody>
-          <a:bodyPr/>
-          <a:lstStyle/>
-          <a:p>
-            <a:pPr marL="0" marR="0" lvl="0" indent="0" algn="r" defTabSz="932742" rtl="0" eaLnBrk="1" fontAlgn="auto" latinLnBrk="0" hangingPunct="1">
-              <a:lnSpc>
-                <a:spcPct val="100000"/>
-              </a:lnSpc>
-              <a:spcBef>
-                <a:spcPts val="0"/>
-              </a:spcBef>
-              <a:spcAft>
-                <a:spcPts val="0"/>
-              </a:spcAft>
-              <a:buClrTx/>
-              <a:buSzTx/>
-              <a:buFontTx/>
-              <a:buNone/>
-              <a:tabLst/>
-              <a:defRPr/>
-            </a:pPr>
-            <a:fld id="{0F1DD190-47F2-4EC2-A20D-7847072E60CD}" type="datetime8">
-              <a:rPr kumimoji="0" lang="en-US" sz="1200" b="0" i="0" u="none" strike="noStrike" kern="1200" cap="none" spc="0" normalizeH="0" baseline="0" noProof="0" smtClean="0">
-                <a:ln>
-                  <a:noFill/>
-                </a:ln>
-                <a:solidFill>
-                  <a:prstClr val="black"/>
-                </a:solidFill>
-                <a:effectLst/>
-                <a:uLnTx/>
-                <a:uFillTx/>
-                <a:latin typeface="Segoe UI" pitchFamily="34" charset="0"/>
-                <a:ea typeface="+mn-ea"/>
-                <a:cs typeface="+mn-cs"/>
-              </a:rPr>
-              <a:pPr marL="0" marR="0" lvl="0" indent="0" algn="r" defTabSz="932742" rtl="0" eaLnBrk="1" fontAlgn="auto" latinLnBrk="0" hangingPunct="1">
-                <a:lnSpc>
-                  <a:spcPct val="100000"/>
-                </a:lnSpc>
-                <a:spcBef>
-                  <a:spcPts val="0"/>
-                </a:spcBef>
-                <a:spcAft>
-                  <a:spcPts val="0"/>
-                </a:spcAft>
-                <a:buClrTx/>
-                <a:buSzTx/>
-                <a:buFontTx/>
-                <a:buNone/>
-                <a:tabLst/>
-                <a:defRPr/>
-              </a:pPr>
-              <a:t>3/27/2017 11:08 AM</a:t>
+            <a:fld id="{0DACA005-7098-44E7-9D9B-6670FD9D69A5}" type="slidenum">
+              <a:rPr lang="ko-KR" altLang="en-US" smtClean="0"/>
+              <a:t>4</a:t>
             </a:fld>
-            <a:endParaRPr kumimoji="0" lang="en-US" sz="1200" b="0" i="0" u="none" strike="noStrike" kern="1200" cap="none" spc="0" normalizeH="0" baseline="0" noProof="0" dirty="0">
-              <a:ln>
-                <a:noFill/>
-              </a:ln>
-              <a:solidFill>
-                <a:prstClr val="black"/>
-              </a:solidFill>
-              <a:effectLst/>
-              <a:uLnTx/>
-              <a:uFillTx/>
-              <a:latin typeface="Segoe UI" pitchFamily="34" charset="0"/>
-              <a:ea typeface="+mn-ea"/>
-              <a:cs typeface="+mn-cs"/>
-            </a:endParaRPr>
-          </a:p>
-        </p:txBody>
-      </p:sp>
-      <p:sp>
-        <p:nvSpPr>
-          <p:cNvPr id="7" name="Slide Number Placeholder 6"/>
-          <p:cNvSpPr>
-            <a:spLocks noGrp="1"/>
-          </p:cNvSpPr>
-          <p:nvPr>
-            <p:ph type="sldNum" sz="quarter" idx="13"/>
-          </p:nvPr>
-        </p:nvSpPr>
-        <p:spPr/>
-        <p:txBody>
-          <a:bodyPr/>
-          <a:lstStyle/>
-          <a:p>
-            <a:pPr marL="0" marR="0" lvl="0" indent="0" algn="r" defTabSz="932742" rtl="0" eaLnBrk="1" fontAlgn="auto" latinLnBrk="0" hangingPunct="1">
-              <a:lnSpc>
-                <a:spcPct val="100000"/>
-              </a:lnSpc>
-              <a:spcBef>
-                <a:spcPts val="0"/>
-              </a:spcBef>
-              <a:spcAft>
-                <a:spcPts val="0"/>
-              </a:spcAft>
-              <a:buClrTx/>
-              <a:buSzTx/>
-              <a:buFontTx/>
-              <a:buNone/>
-              <a:tabLst/>
-              <a:defRPr/>
-            </a:pPr>
-            <a:fld id="{B4008EB6-D09E-4580-8CD6-DDB14511944F}" type="slidenum">
-              <a:rPr kumimoji="0" lang="en-US" sz="1200" b="0" i="0" u="none" strike="noStrike" kern="1200" cap="none" spc="0" normalizeH="0" baseline="0" noProof="0" smtClean="0">
-                <a:ln>
-                  <a:noFill/>
-                </a:ln>
-                <a:solidFill>
-                  <a:prstClr val="black"/>
-                </a:solidFill>
-                <a:effectLst/>
-                <a:uLnTx/>
-                <a:uFillTx/>
-                <a:latin typeface="Segoe UI" pitchFamily="34" charset="0"/>
-                <a:ea typeface="+mn-ea"/>
-                <a:cs typeface="+mn-cs"/>
-              </a:rPr>
-              <a:pPr marL="0" marR="0" lvl="0" indent="0" algn="r" defTabSz="932742" rtl="0" eaLnBrk="1" fontAlgn="auto" latinLnBrk="0" hangingPunct="1">
-                <a:lnSpc>
-                  <a:spcPct val="100000"/>
-                </a:lnSpc>
-                <a:spcBef>
-                  <a:spcPts val="0"/>
-                </a:spcBef>
-                <a:spcAft>
-                  <a:spcPts val="0"/>
-                </a:spcAft>
-                <a:buClrTx/>
-                <a:buSzTx/>
-                <a:buFontTx/>
-                <a:buNone/>
-                <a:tabLst/>
-                <a:defRPr/>
-              </a:pPr>
-              <a:t>2</a:t>
-            </a:fld>
-            <a:endParaRPr kumimoji="0" lang="en-US" sz="1200" b="0" i="0" u="none" strike="noStrike" kern="1200" cap="none" spc="0" normalizeH="0" baseline="0" noProof="0" dirty="0">
-              <a:ln>
-                <a:noFill/>
-              </a:ln>
-              <a:solidFill>
-                <a:prstClr val="black"/>
-              </a:solidFill>
-              <a:effectLst/>
-              <a:uLnTx/>
-              <a:uFillTx/>
-              <a:latin typeface="Segoe UI" pitchFamily="34" charset="0"/>
-              <a:ea typeface="+mn-ea"/>
-              <a:cs typeface="+mn-cs"/>
-            </a:endParaRPr>
+            <a:endParaRPr lang="ko-KR" altLang="en-US"/>
           </a:p>
         </p:txBody>
       </p:sp>
     </p:spTree>
     <p:extLst>
       <p:ext uri="{BB962C8B-B14F-4D97-AF65-F5344CB8AC3E}">
-        <p14:creationId xmlns:p14="http://schemas.microsoft.com/office/powerpoint/2010/main" val="2519986307"/>
+        <p14:creationId xmlns:p14="http://schemas.microsoft.com/office/powerpoint/2010/main" val="1300474568"/>
       </p:ext>
     </p:extLst>
   </p:cSld>
@@ -1058,18 +696,22 @@
           <a:bodyPr/>
           <a:lstStyle/>
           <a:p>
-            <a:endParaRPr lang="en-US" dirty="0"/>
+            <a:r>
+              <a:rPr lang="en-US" altLang="ko-KR" dirty="0"/>
+              <a:t>https://docs.microsoft.com/en-us/azure/app-service-mobile/app-service-mobile-xamarin-forms-get-started-offline-data</a:t>
+            </a:r>
+            <a:endParaRPr lang="ko-KR" altLang="en-US" dirty="0"/>
           </a:p>
         </p:txBody>
       </p:sp>
       <p:sp>
         <p:nvSpPr>
-          <p:cNvPr id="4" name="Header Placeholder 3"/>
+          <p:cNvPr id="4" name="Slide Number Placeholder 3"/>
           <p:cNvSpPr>
             <a:spLocks noGrp="1"/>
           </p:cNvSpPr>
           <p:nvPr>
-            <p:ph type="hdr" sz="quarter" idx="10"/>
+            <p:ph type="sldNum" sz="quarter" idx="10"/>
           </p:nvPr>
         </p:nvSpPr>
         <p:spPr/>
@@ -1077,292 +719,18 @@
           <a:bodyPr/>
           <a:lstStyle/>
           <a:p>
-            <a:pPr marL="0" marR="0" lvl="0" indent="0" algn="l" defTabSz="932742" rtl="0" eaLnBrk="1" fontAlgn="auto" latinLnBrk="0" hangingPunct="1">
-              <a:lnSpc>
-                <a:spcPct val="100000"/>
-              </a:lnSpc>
-              <a:spcBef>
-                <a:spcPts val="0"/>
-              </a:spcBef>
-              <a:spcAft>
-                <a:spcPts val="0"/>
-              </a:spcAft>
-              <a:buClrTx/>
-              <a:buSzTx/>
-              <a:buFontTx/>
-              <a:buNone/>
-              <a:tabLst/>
-              <a:defRPr/>
-            </a:pPr>
-            <a:endParaRPr kumimoji="0" lang="en-US" sz="1200" b="0" i="0" u="none" strike="noStrike" kern="1200" cap="none" spc="0" normalizeH="0" baseline="0" noProof="0" dirty="0">
-              <a:ln>
-                <a:noFill/>
-              </a:ln>
-              <a:solidFill>
-                <a:prstClr val="black"/>
-              </a:solidFill>
-              <a:effectLst/>
-              <a:uLnTx/>
-              <a:uFillTx/>
-              <a:latin typeface="Segoe UI" pitchFamily="34" charset="0"/>
-              <a:ea typeface="+mn-ea"/>
-              <a:cs typeface="+mn-cs"/>
-            </a:endParaRPr>
-          </a:p>
-        </p:txBody>
-      </p:sp>
-      <p:sp>
-        <p:nvSpPr>
-          <p:cNvPr id="5" name="Footer Placeholder 4"/>
-          <p:cNvSpPr>
-            <a:spLocks noGrp="1"/>
-          </p:cNvSpPr>
-          <p:nvPr>
-            <p:ph type="ftr" sz="quarter" idx="11"/>
-          </p:nvPr>
-        </p:nvSpPr>
-        <p:spPr/>
-        <p:txBody>
-          <a:bodyPr/>
-          <a:lstStyle/>
-          <a:p>
-            <a:pPr marL="571500" marR="0" lvl="0" indent="0" algn="l" defTabSz="914099" rtl="0" eaLnBrk="0" fontAlgn="auto" latinLnBrk="0" hangingPunct="0">
-              <a:lnSpc>
-                <a:spcPct val="100000"/>
-              </a:lnSpc>
-              <a:spcBef>
-                <a:spcPts val="0"/>
-              </a:spcBef>
-              <a:spcAft>
-                <a:spcPts val="0"/>
-              </a:spcAft>
-              <a:buClrTx/>
-              <a:buSzTx/>
-              <a:buFontTx/>
-              <a:buNone/>
-              <a:tabLst/>
-              <a:defRPr/>
-            </a:pPr>
-            <a:r>
-              <a:rPr kumimoji="0" lang="en-US" sz="400" b="0" i="0" u="none" strike="noStrike" kern="1200" cap="none" spc="0" normalizeH="0" baseline="0" noProof="0">
-                <a:ln>
-                  <a:noFill/>
-                </a:ln>
-                <a:gradFill>
-                  <a:gsLst>
-                    <a:gs pos="0">
-                      <a:prstClr val="black"/>
-                    </a:gs>
-                    <a:gs pos="100000">
-                      <a:prstClr val="black"/>
-                    </a:gs>
-                  </a:gsLst>
-                  <a:lin ang="5400000" scaled="0"/>
-                </a:gradFill>
-                <a:effectLst/>
-                <a:uLnTx/>
-                <a:uFillTx/>
-                <a:latin typeface="Segoe UI" pitchFamily="34" charset="0"/>
-                <a:ea typeface="Segoe UI" pitchFamily="34" charset="0"/>
-                <a:cs typeface="Segoe UI" pitchFamily="34" charset="0"/>
-              </a:rPr>
-              <a:t>© Microsoft Corporation. All rights reserved. MICROSOFT MAKES NO WARRANTIES, EXPRESS, IMPLIED OR STATUTORY, AS TO THE INFORMATION IN THIS PRESENTATION.</a:t>
-            </a:r>
-            <a:endParaRPr kumimoji="0" lang="en-US" sz="400" b="0" i="0" u="none" strike="noStrike" kern="1200" cap="none" spc="0" normalizeH="0" baseline="0" noProof="0" dirty="0">
-              <a:ln>
-                <a:noFill/>
-              </a:ln>
-              <a:gradFill>
-                <a:gsLst>
-                  <a:gs pos="0">
-                    <a:prstClr val="black"/>
-                  </a:gs>
-                  <a:gs pos="100000">
-                    <a:prstClr val="black"/>
-                  </a:gs>
-                </a:gsLst>
-                <a:lin ang="5400000" scaled="0"/>
-              </a:gradFill>
-              <a:effectLst/>
-              <a:uLnTx/>
-              <a:uFillTx/>
-              <a:latin typeface="Segoe UI" pitchFamily="34" charset="0"/>
-              <a:ea typeface="Segoe UI" pitchFamily="34" charset="0"/>
-              <a:cs typeface="Segoe UI" pitchFamily="34" charset="0"/>
-            </a:endParaRPr>
-          </a:p>
-        </p:txBody>
-      </p:sp>
-      <p:sp>
-        <p:nvSpPr>
-          <p:cNvPr id="6" name="Date Placeholder 5"/>
-          <p:cNvSpPr>
-            <a:spLocks noGrp="1"/>
-          </p:cNvSpPr>
-          <p:nvPr>
-            <p:ph type="dt" idx="12"/>
-          </p:nvPr>
-        </p:nvSpPr>
-        <p:spPr/>
-        <p:txBody>
-          <a:bodyPr/>
-          <a:lstStyle/>
-          <a:p>
-            <a:pPr marL="0" marR="0" lvl="0" indent="0" algn="r" defTabSz="932742" rtl="0" eaLnBrk="1" fontAlgn="auto" latinLnBrk="0" hangingPunct="1">
-              <a:lnSpc>
-                <a:spcPct val="100000"/>
-              </a:lnSpc>
-              <a:spcBef>
-                <a:spcPts val="0"/>
-              </a:spcBef>
-              <a:spcAft>
-                <a:spcPts val="0"/>
-              </a:spcAft>
-              <a:buClrTx/>
-              <a:buSzTx/>
-              <a:buFontTx/>
-              <a:buNone/>
-              <a:tabLst/>
-              <a:defRPr/>
-            </a:pPr>
-            <a:fld id="{0F1DD190-47F2-4EC2-A20D-7847072E60CD}" type="datetime8">
-              <a:rPr kumimoji="0" lang="en-US" sz="1200" b="0" i="0" u="none" strike="noStrike" kern="1200" cap="none" spc="0" normalizeH="0" baseline="0" noProof="0" smtClean="0">
-                <a:ln>
-                  <a:noFill/>
-                </a:ln>
-                <a:solidFill>
-                  <a:prstClr val="black"/>
-                </a:solidFill>
-                <a:effectLst/>
-                <a:uLnTx/>
-                <a:uFillTx/>
-                <a:latin typeface="Segoe UI" pitchFamily="34" charset="0"/>
-                <a:ea typeface="+mn-ea"/>
-                <a:cs typeface="+mn-cs"/>
-              </a:rPr>
-              <a:pPr marL="0" marR="0" lvl="0" indent="0" algn="r" defTabSz="932742" rtl="0" eaLnBrk="1" fontAlgn="auto" latinLnBrk="0" hangingPunct="1">
-                <a:lnSpc>
-                  <a:spcPct val="100000"/>
-                </a:lnSpc>
-                <a:spcBef>
-                  <a:spcPts val="0"/>
-                </a:spcBef>
-                <a:spcAft>
-                  <a:spcPts val="0"/>
-                </a:spcAft>
-                <a:buClrTx/>
-                <a:buSzTx/>
-                <a:buFontTx/>
-                <a:buNone/>
-                <a:tabLst/>
-                <a:defRPr/>
-              </a:pPr>
-              <a:t>3/27/2017 11:08 AM</a:t>
+            <a:fld id="{0DACA005-7098-44E7-9D9B-6670FD9D69A5}" type="slidenum">
+              <a:rPr lang="ko-KR" altLang="en-US" smtClean="0"/>
+              <a:t>6</a:t>
             </a:fld>
-            <a:endParaRPr kumimoji="0" lang="en-US" sz="1200" b="0" i="0" u="none" strike="noStrike" kern="1200" cap="none" spc="0" normalizeH="0" baseline="0" noProof="0" dirty="0">
-              <a:ln>
-                <a:noFill/>
-              </a:ln>
-              <a:solidFill>
-                <a:prstClr val="black"/>
-              </a:solidFill>
-              <a:effectLst/>
-              <a:uLnTx/>
-              <a:uFillTx/>
-              <a:latin typeface="Segoe UI" pitchFamily="34" charset="0"/>
-              <a:ea typeface="+mn-ea"/>
-              <a:cs typeface="+mn-cs"/>
-            </a:endParaRPr>
-          </a:p>
-        </p:txBody>
-      </p:sp>
-      <p:sp>
-        <p:nvSpPr>
-          <p:cNvPr id="7" name="Slide Number Placeholder 6"/>
-          <p:cNvSpPr>
-            <a:spLocks noGrp="1"/>
-          </p:cNvSpPr>
-          <p:nvPr>
-            <p:ph type="sldNum" sz="quarter" idx="13"/>
-          </p:nvPr>
-        </p:nvSpPr>
-        <p:spPr/>
-        <p:txBody>
-          <a:bodyPr/>
-          <a:lstStyle/>
-          <a:p>
-            <a:pPr marL="0" marR="0" lvl="0" indent="0" algn="r" defTabSz="932742" rtl="0" eaLnBrk="1" fontAlgn="auto" latinLnBrk="0" hangingPunct="1">
-              <a:lnSpc>
-                <a:spcPct val="100000"/>
-              </a:lnSpc>
-              <a:spcBef>
-                <a:spcPts val="0"/>
-              </a:spcBef>
-              <a:spcAft>
-                <a:spcPts val="0"/>
-              </a:spcAft>
-              <a:buClrTx/>
-              <a:buSzTx/>
-              <a:buFontTx/>
-              <a:buNone/>
-              <a:tabLst/>
-              <a:defRPr/>
-            </a:pPr>
-            <a:fld id="{B4008EB6-D09E-4580-8CD6-DDB14511944F}" type="slidenum">
-              <a:rPr kumimoji="0" lang="en-US" sz="1200" b="0" i="0" u="none" strike="noStrike" kern="1200" cap="none" spc="0" normalizeH="0" baseline="0" noProof="0" smtClean="0">
-                <a:ln>
-                  <a:noFill/>
-                </a:ln>
-                <a:solidFill>
-                  <a:prstClr val="black"/>
-                </a:solidFill>
-                <a:effectLst/>
-                <a:uLnTx/>
-                <a:uFillTx/>
-                <a:latin typeface="Segoe UI" pitchFamily="34" charset="0"/>
-                <a:ea typeface="+mn-ea"/>
-                <a:cs typeface="+mn-cs"/>
-              </a:rPr>
-              <a:pPr marL="0" marR="0" lvl="0" indent="0" algn="r" defTabSz="932742" rtl="0" eaLnBrk="1" fontAlgn="auto" latinLnBrk="0" hangingPunct="1">
-                <a:lnSpc>
-                  <a:spcPct val="100000"/>
-                </a:lnSpc>
-                <a:spcBef>
-                  <a:spcPts val="0"/>
-                </a:spcBef>
-                <a:spcAft>
-                  <a:spcPts val="0"/>
-                </a:spcAft>
-                <a:buClrTx/>
-                <a:buSzTx/>
-                <a:buFontTx/>
-                <a:buNone/>
-                <a:tabLst/>
-                <a:defRPr/>
-              </a:pPr>
-              <a:t>5</a:t>
-            </a:fld>
-            <a:endParaRPr kumimoji="0" lang="en-US" sz="1200" b="0" i="0" u="none" strike="noStrike" kern="1200" cap="none" spc="0" normalizeH="0" baseline="0" noProof="0" dirty="0">
-              <a:ln>
-                <a:noFill/>
-              </a:ln>
-              <a:solidFill>
-                <a:prstClr val="black"/>
-              </a:solidFill>
-              <a:effectLst/>
-              <a:uLnTx/>
-              <a:uFillTx/>
-              <a:latin typeface="Segoe UI" pitchFamily="34" charset="0"/>
-              <a:ea typeface="+mn-ea"/>
-              <a:cs typeface="+mn-cs"/>
-            </a:endParaRPr>
+            <a:endParaRPr lang="ko-KR" altLang="en-US"/>
           </a:p>
         </p:txBody>
       </p:sp>
     </p:spTree>
     <p:extLst>
       <p:ext uri="{BB962C8B-B14F-4D97-AF65-F5344CB8AC3E}">
-        <p14:creationId xmlns:p14="http://schemas.microsoft.com/office/powerpoint/2010/main" val="2407450565"/>
+        <p14:creationId xmlns:p14="http://schemas.microsoft.com/office/powerpoint/2010/main" val="1746836000"/>
       </p:ext>
     </p:extLst>
   </p:cSld>
@@ -1441,7 +809,7 @@
           <a:p>
             <a:fld id="{0DACA005-7098-44E7-9D9B-6670FD9D69A5}" type="slidenum">
               <a:rPr lang="ko-KR" altLang="en-US" smtClean="0"/>
-              <a:t>9</a:t>
+              <a:t>7</a:t>
             </a:fld>
             <a:endParaRPr lang="ko-KR" altLang="en-US"/>
           </a:p>
@@ -1450,7 +818,7 @@
     </p:spTree>
     <p:extLst>
       <p:ext uri="{BB962C8B-B14F-4D97-AF65-F5344CB8AC3E}">
-        <p14:creationId xmlns:p14="http://schemas.microsoft.com/office/powerpoint/2010/main" val="1300474568"/>
+        <p14:creationId xmlns:p14="http://schemas.microsoft.com/office/powerpoint/2010/main" val="2921028272"/>
       </p:ext>
     </p:extLst>
   </p:cSld>
@@ -1461,94 +829,6 @@
 </file>
 
 <file path=ppt/notesSlides/notesSlide5.xml><?xml version="1.0" encoding="utf-8"?>
-<p:notes xmlns:a="http://schemas.openxmlformats.org/drawingml/2006/main" xmlns:r="http://schemas.openxmlformats.org/officeDocument/2006/relationships" xmlns:p="http://schemas.openxmlformats.org/presentationml/2006/main">
-  <p:cSld>
-    <p:spTree>
-      <p:nvGrpSpPr>
-        <p:cNvPr id="1" name=""/>
-        <p:cNvGrpSpPr/>
-        <p:nvPr/>
-      </p:nvGrpSpPr>
-      <p:grpSpPr>
-        <a:xfrm>
-          <a:off x="0" y="0"/>
-          <a:ext cx="0" cy="0"/>
-          <a:chOff x="0" y="0"/>
-          <a:chExt cx="0" cy="0"/>
-        </a:xfrm>
-      </p:grpSpPr>
-      <p:sp>
-        <p:nvSpPr>
-          <p:cNvPr id="2" name="Slide Image Placeholder 1"/>
-          <p:cNvSpPr>
-            <a:spLocks noGrp="1" noRot="1" noChangeAspect="1"/>
-          </p:cNvSpPr>
-          <p:nvPr>
-            <p:ph type="sldImg"/>
-          </p:nvPr>
-        </p:nvSpPr>
-        <p:spPr/>
-      </p:sp>
-      <p:sp>
-        <p:nvSpPr>
-          <p:cNvPr id="3" name="Notes Placeholder 2"/>
-          <p:cNvSpPr>
-            <a:spLocks noGrp="1"/>
-          </p:cNvSpPr>
-          <p:nvPr>
-            <p:ph type="body" idx="1"/>
-          </p:nvPr>
-        </p:nvSpPr>
-        <p:spPr/>
-        <p:txBody>
-          <a:bodyPr/>
-          <a:lstStyle/>
-          <a:p>
-            <a:r>
-              <a:rPr lang="en-US" altLang="ko-KR" dirty="0"/>
-              <a:t>https://docs.microsoft.com/en-us/azure/app-service-mobile/app-service-mobile-xamarin-forms-get-started-offline-data</a:t>
-            </a:r>
-            <a:endParaRPr lang="ko-KR" altLang="en-US" dirty="0"/>
-          </a:p>
-        </p:txBody>
-      </p:sp>
-      <p:sp>
-        <p:nvSpPr>
-          <p:cNvPr id="4" name="Slide Number Placeholder 3"/>
-          <p:cNvSpPr>
-            <a:spLocks noGrp="1"/>
-          </p:cNvSpPr>
-          <p:nvPr>
-            <p:ph type="sldNum" sz="quarter" idx="10"/>
-          </p:nvPr>
-        </p:nvSpPr>
-        <p:spPr/>
-        <p:txBody>
-          <a:bodyPr/>
-          <a:lstStyle/>
-          <a:p>
-            <a:fld id="{0DACA005-7098-44E7-9D9B-6670FD9D69A5}" type="slidenum">
-              <a:rPr lang="ko-KR" altLang="en-US" smtClean="0"/>
-              <a:t>11</a:t>
-            </a:fld>
-            <a:endParaRPr lang="ko-KR" altLang="en-US"/>
-          </a:p>
-        </p:txBody>
-      </p:sp>
-    </p:spTree>
-    <p:extLst>
-      <p:ext uri="{BB962C8B-B14F-4D97-AF65-F5344CB8AC3E}">
-        <p14:creationId xmlns:p14="http://schemas.microsoft.com/office/powerpoint/2010/main" val="1746836000"/>
-      </p:ext>
-    </p:extLst>
-  </p:cSld>
-  <p:clrMapOvr>
-    <a:masterClrMapping/>
-  </p:clrMapOvr>
-</p:notes>
-</file>
-
-<file path=ppt/notesSlides/notesSlide6.xml><?xml version="1.0" encoding="utf-8"?>
 <p:notes xmlns:a="http://schemas.openxmlformats.org/drawingml/2006/main" xmlns:r="http://schemas.openxmlformats.org/officeDocument/2006/relationships" xmlns:p="http://schemas.openxmlformats.org/presentationml/2006/main">
   <p:cSld>
     <p:spTree>
@@ -1617,95 +897,7 @@
           <a:p>
             <a:fld id="{0DACA005-7098-44E7-9D9B-6670FD9D69A5}" type="slidenum">
               <a:rPr lang="ko-KR" altLang="en-US" smtClean="0"/>
-              <a:t>12</a:t>
-            </a:fld>
-            <a:endParaRPr lang="ko-KR" altLang="en-US"/>
-          </a:p>
-        </p:txBody>
-      </p:sp>
-    </p:spTree>
-    <p:extLst>
-      <p:ext uri="{BB962C8B-B14F-4D97-AF65-F5344CB8AC3E}">
-        <p14:creationId xmlns:p14="http://schemas.microsoft.com/office/powerpoint/2010/main" val="2921028272"/>
-      </p:ext>
-    </p:extLst>
-  </p:cSld>
-  <p:clrMapOvr>
-    <a:masterClrMapping/>
-  </p:clrMapOvr>
-</p:notes>
-</file>
-
-<file path=ppt/notesSlides/notesSlide7.xml><?xml version="1.0" encoding="utf-8"?>
-<p:notes xmlns:a="http://schemas.openxmlformats.org/drawingml/2006/main" xmlns:r="http://schemas.openxmlformats.org/officeDocument/2006/relationships" xmlns:p="http://schemas.openxmlformats.org/presentationml/2006/main">
-  <p:cSld>
-    <p:spTree>
-      <p:nvGrpSpPr>
-        <p:cNvPr id="1" name=""/>
-        <p:cNvGrpSpPr/>
-        <p:nvPr/>
-      </p:nvGrpSpPr>
-      <p:grpSpPr>
-        <a:xfrm>
-          <a:off x="0" y="0"/>
-          <a:ext cx="0" cy="0"/>
-          <a:chOff x="0" y="0"/>
-          <a:chExt cx="0" cy="0"/>
-        </a:xfrm>
-      </p:grpSpPr>
-      <p:sp>
-        <p:nvSpPr>
-          <p:cNvPr id="2" name="Slide Image Placeholder 1"/>
-          <p:cNvSpPr>
-            <a:spLocks noGrp="1" noRot="1" noChangeAspect="1"/>
-          </p:cNvSpPr>
-          <p:nvPr>
-            <p:ph type="sldImg"/>
-          </p:nvPr>
-        </p:nvSpPr>
-        <p:spPr/>
-      </p:sp>
-      <p:sp>
-        <p:nvSpPr>
-          <p:cNvPr id="3" name="Notes Placeholder 2"/>
-          <p:cNvSpPr>
-            <a:spLocks noGrp="1"/>
-          </p:cNvSpPr>
-          <p:nvPr>
-            <p:ph type="body" idx="1"/>
-          </p:nvPr>
-        </p:nvSpPr>
-        <p:spPr/>
-        <p:txBody>
-          <a:bodyPr/>
-          <a:lstStyle/>
-          <a:p>
-            <a:r>
-              <a:rPr lang="en-US" altLang="ko-KR" dirty="0"/>
-              <a:t>https://docs.microsoft.com/en-us/azure/app-service-mobile/app-service-mobile-xamarin-forms-get-started-users</a:t>
-            </a:r>
-            <a:endParaRPr lang="ko-KR" altLang="en-US" dirty="0"/>
-          </a:p>
-        </p:txBody>
-      </p:sp>
-      <p:sp>
-        <p:nvSpPr>
-          <p:cNvPr id="4" name="Slide Number Placeholder 3"/>
-          <p:cNvSpPr>
-            <a:spLocks noGrp="1"/>
-          </p:cNvSpPr>
-          <p:nvPr>
-            <p:ph type="sldNum" sz="quarter" idx="10"/>
-          </p:nvPr>
-        </p:nvSpPr>
-        <p:spPr/>
-        <p:txBody>
-          <a:bodyPr/>
-          <a:lstStyle/>
-          <a:p>
-            <a:fld id="{0DACA005-7098-44E7-9D9B-6670FD9D69A5}" type="slidenum">
-              <a:rPr lang="ko-KR" altLang="en-US" smtClean="0"/>
-              <a:t>13</a:t>
+              <a:t>8</a:t>
             </a:fld>
             <a:endParaRPr lang="ko-KR" altLang="en-US"/>
           </a:p>
@@ -1724,7 +916,7 @@
 </p:notes>
 </file>
 
-<file path=ppt/notesSlides/notesSlide8.xml><?xml version="1.0" encoding="utf-8"?>
+<file path=ppt/notesSlides/notesSlide6.xml><?xml version="1.0" encoding="utf-8"?>
 <p:notes xmlns:a="http://schemas.openxmlformats.org/drawingml/2006/main" xmlns:r="http://schemas.openxmlformats.org/officeDocument/2006/relationships" xmlns:p="http://schemas.openxmlformats.org/presentationml/2006/main">
   <p:cSld>
     <p:spTree>
@@ -1789,7 +981,7 @@
           <a:p>
             <a:fld id="{0DACA005-7098-44E7-9D9B-6670FD9D69A5}" type="slidenum">
               <a:rPr lang="ko-KR" altLang="en-US" smtClean="0"/>
-              <a:t>14</a:t>
+              <a:t>9</a:t>
             </a:fld>
             <a:endParaRPr lang="ko-KR" altLang="en-US"/>
           </a:p>
@@ -1808,7 +1000,7 @@
 </p:notes>
 </file>
 
-<file path=ppt/notesSlides/notesSlide9.xml><?xml version="1.0" encoding="utf-8"?>
+<file path=ppt/notesSlides/notesSlide7.xml><?xml version="1.0" encoding="utf-8"?>
 <p:notes xmlns:a="http://schemas.openxmlformats.org/drawingml/2006/main" xmlns:r="http://schemas.openxmlformats.org/officeDocument/2006/relationships" xmlns:p="http://schemas.openxmlformats.org/presentationml/2006/main">
   <p:cSld>
     <p:spTree>
@@ -1873,7 +1065,7 @@
           <a:p>
             <a:fld id="{0DACA005-7098-44E7-9D9B-6670FD9D69A5}" type="slidenum">
               <a:rPr lang="ko-KR" altLang="en-US" smtClean="0"/>
-              <a:t>15</a:t>
+              <a:t>10</a:t>
             </a:fld>
             <a:endParaRPr lang="ko-KR" altLang="en-US"/>
           </a:p>
@@ -1883,6 +1075,90 @@
     <p:extLst>
       <p:ext uri="{BB962C8B-B14F-4D97-AF65-F5344CB8AC3E}">
         <p14:creationId xmlns:p14="http://schemas.microsoft.com/office/powerpoint/2010/main" val="841758597"/>
+      </p:ext>
+    </p:extLst>
+  </p:cSld>
+  <p:clrMapOvr>
+    <a:masterClrMapping/>
+  </p:clrMapOvr>
+</p:notes>
+</file>
+
+<file path=ppt/notesSlides/notesSlide8.xml><?xml version="1.0" encoding="utf-8"?>
+<p:notes xmlns:a="http://schemas.openxmlformats.org/drawingml/2006/main" xmlns:r="http://schemas.openxmlformats.org/officeDocument/2006/relationships" xmlns:p="http://schemas.openxmlformats.org/presentationml/2006/main">
+  <p:cSld>
+    <p:spTree>
+      <p:nvGrpSpPr>
+        <p:cNvPr id="1" name=""/>
+        <p:cNvGrpSpPr/>
+        <p:nvPr/>
+      </p:nvGrpSpPr>
+      <p:grpSpPr>
+        <a:xfrm>
+          <a:off x="0" y="0"/>
+          <a:ext cx="0" cy="0"/>
+          <a:chOff x="0" y="0"/>
+          <a:chExt cx="0" cy="0"/>
+        </a:xfrm>
+      </p:grpSpPr>
+      <p:sp>
+        <p:nvSpPr>
+          <p:cNvPr id="2" name="Slide Image Placeholder 1"/>
+          <p:cNvSpPr>
+            <a:spLocks noGrp="1" noRot="1" noChangeAspect="1"/>
+          </p:cNvSpPr>
+          <p:nvPr>
+            <p:ph type="sldImg"/>
+          </p:nvPr>
+        </p:nvSpPr>
+        <p:spPr/>
+      </p:sp>
+      <p:sp>
+        <p:nvSpPr>
+          <p:cNvPr id="3" name="Notes Placeholder 2"/>
+          <p:cNvSpPr>
+            <a:spLocks noGrp="1"/>
+          </p:cNvSpPr>
+          <p:nvPr>
+            <p:ph type="body" idx="1"/>
+          </p:nvPr>
+        </p:nvSpPr>
+        <p:spPr/>
+        <p:txBody>
+          <a:bodyPr/>
+          <a:lstStyle/>
+          <a:p>
+            <a:endParaRPr lang="ko-KR" altLang="en-US"/>
+          </a:p>
+        </p:txBody>
+      </p:sp>
+      <p:sp>
+        <p:nvSpPr>
+          <p:cNvPr id="4" name="Slide Number Placeholder 3"/>
+          <p:cNvSpPr>
+            <a:spLocks noGrp="1"/>
+          </p:cNvSpPr>
+          <p:nvPr>
+            <p:ph type="sldNum" sz="quarter" idx="10"/>
+          </p:nvPr>
+        </p:nvSpPr>
+        <p:spPr/>
+        <p:txBody>
+          <a:bodyPr/>
+          <a:lstStyle/>
+          <a:p>
+            <a:fld id="{0DACA005-7098-44E7-9D9B-6670FD9D69A5}" type="slidenum">
+              <a:rPr lang="ko-KR" altLang="en-US" smtClean="0"/>
+              <a:t>11</a:t>
+            </a:fld>
+            <a:endParaRPr lang="ko-KR" altLang="en-US"/>
+          </a:p>
+        </p:txBody>
+      </p:sp>
+    </p:spTree>
+    <p:extLst>
+      <p:ext uri="{BB962C8B-B14F-4D97-AF65-F5344CB8AC3E}">
+        <p14:creationId xmlns:p14="http://schemas.microsoft.com/office/powerpoint/2010/main" val="2073642339"/>
       </p:ext>
     </p:extLst>
   </p:cSld>
@@ -31536,6 +30812,549 @@
 <file path=ppt/slides/slide10.xml><?xml version="1.0" encoding="utf-8"?>
 <p:sld xmlns:a="http://schemas.openxmlformats.org/drawingml/2006/main" xmlns:r="http://schemas.openxmlformats.org/officeDocument/2006/relationships" xmlns:p="http://schemas.openxmlformats.org/presentationml/2006/main">
   <p:cSld>
+    <p:bg>
+      <p:bgPr>
+        <a:solidFill>
+          <a:srgbClr val="349FE7"/>
+        </a:solidFill>
+        <a:effectLst/>
+      </p:bgPr>
+    </p:bg>
+    <p:spTree>
+      <p:nvGrpSpPr>
+        <p:cNvPr id="1" name=""/>
+        <p:cNvGrpSpPr/>
+        <p:nvPr/>
+      </p:nvGrpSpPr>
+      <p:grpSpPr>
+        <a:xfrm>
+          <a:off x="0" y="0"/>
+          <a:ext cx="0" cy="0"/>
+          <a:chOff x="0" y="0"/>
+          <a:chExt cx="0" cy="0"/>
+        </a:xfrm>
+      </p:grpSpPr>
+      <p:sp>
+        <p:nvSpPr>
+          <p:cNvPr id="3" name="Title 2">
+            <a:extLst>
+              <a:ext uri="{FF2B5EF4-FFF2-40B4-BE49-F238E27FC236}">
+                <a16:creationId xmlns:a16="http://schemas.microsoft.com/office/drawing/2014/main" id="{E039260B-0DF6-4325-9D90-32DF1F8419A2}"/>
+              </a:ext>
+            </a:extLst>
+          </p:cNvPr>
+          <p:cNvSpPr>
+            <a:spLocks noGrp="1"/>
+          </p:cNvSpPr>
+          <p:nvPr>
+            <p:ph type="title"/>
+          </p:nvPr>
+        </p:nvSpPr>
+        <p:spPr/>
+        <p:txBody>
+          <a:bodyPr/>
+          <a:lstStyle/>
+          <a:p>
+            <a:r>
+              <a:rPr lang="ko-KR" altLang="en-US" dirty="0">
+                <a:solidFill>
+                  <a:schemeClr val="bg1"/>
+                </a:solidFill>
+              </a:rPr>
+              <a:t>실습</a:t>
+            </a:r>
+            <a:r>
+              <a:rPr lang="en-US" altLang="ko-KR" dirty="0">
+                <a:solidFill>
+                  <a:schemeClr val="bg1"/>
+                </a:solidFill>
+              </a:rPr>
+              <a:t> #1</a:t>
+            </a:r>
+            <a:endParaRPr lang="ko-KR" altLang="en-US" dirty="0">
+              <a:solidFill>
+                <a:schemeClr val="bg1"/>
+              </a:solidFill>
+            </a:endParaRPr>
+          </a:p>
+        </p:txBody>
+      </p:sp>
+      <p:sp>
+        <p:nvSpPr>
+          <p:cNvPr id="6" name="Text Placeholder 5">
+            <a:extLst>
+              <a:ext uri="{FF2B5EF4-FFF2-40B4-BE49-F238E27FC236}">
+                <a16:creationId xmlns:a16="http://schemas.microsoft.com/office/drawing/2014/main" id="{4538CE48-6EED-4A89-8809-CE48D975C22B}"/>
+              </a:ext>
+            </a:extLst>
+          </p:cNvPr>
+          <p:cNvSpPr>
+            <a:spLocks noGrp="1"/>
+          </p:cNvSpPr>
+          <p:nvPr>
+            <p:ph type="body" idx="1"/>
+          </p:nvPr>
+        </p:nvSpPr>
+        <p:spPr/>
+        <p:txBody>
+          <a:bodyPr/>
+          <a:lstStyle/>
+          <a:p>
+            <a:r>
+              <a:rPr lang="en-US" altLang="ko-KR" dirty="0">
+                <a:solidFill>
+                  <a:schemeClr val="bg1"/>
+                </a:solidFill>
+              </a:rPr>
+              <a:t>Azure Mobile App Service</a:t>
+            </a:r>
+            <a:r>
+              <a:rPr lang="ko-KR" altLang="en-US" dirty="0">
+                <a:solidFill>
+                  <a:schemeClr val="bg1"/>
+                </a:solidFill>
+              </a:rPr>
+              <a:t> 만들어보기  </a:t>
+            </a:r>
+          </a:p>
+        </p:txBody>
+      </p:sp>
+    </p:spTree>
+    <p:extLst>
+      <p:ext uri="{BB962C8B-B14F-4D97-AF65-F5344CB8AC3E}">
+        <p14:creationId xmlns:p14="http://schemas.microsoft.com/office/powerpoint/2010/main" val="2292375787"/>
+      </p:ext>
+    </p:extLst>
+  </p:cSld>
+  <p:clrMapOvr>
+    <a:masterClrMapping/>
+  </p:clrMapOvr>
+</p:sld>
+</file>
+
+<file path=ppt/slides/slide11.xml><?xml version="1.0" encoding="utf-8"?>
+<p:sld xmlns:a="http://schemas.openxmlformats.org/drawingml/2006/main" xmlns:r="http://schemas.openxmlformats.org/officeDocument/2006/relationships" xmlns:p="http://schemas.openxmlformats.org/presentationml/2006/main">
+  <p:cSld>
+    <p:spTree>
+      <p:nvGrpSpPr>
+        <p:cNvPr id="1" name=""/>
+        <p:cNvGrpSpPr/>
+        <p:nvPr/>
+      </p:nvGrpSpPr>
+      <p:grpSpPr>
+        <a:xfrm>
+          <a:off x="0" y="0"/>
+          <a:ext cx="0" cy="0"/>
+          <a:chOff x="0" y="0"/>
+          <a:chExt cx="0" cy="0"/>
+        </a:xfrm>
+      </p:grpSpPr>
+    </p:spTree>
+    <p:extLst>
+      <p:ext uri="{BB962C8B-B14F-4D97-AF65-F5344CB8AC3E}">
+        <p14:creationId xmlns:p14="http://schemas.microsoft.com/office/powerpoint/2010/main" val="3206878494"/>
+      </p:ext>
+    </p:extLst>
+  </p:cSld>
+  <p:clrMapOvr>
+    <a:masterClrMapping/>
+  </p:clrMapOvr>
+  <p:transition>
+    <p:fade/>
+  </p:transition>
+</p:sld>
+</file>
+
+<file path=ppt/slides/slide2.xml><?xml version="1.0" encoding="utf-8"?>
+<p:sld xmlns:a="http://schemas.openxmlformats.org/drawingml/2006/main" xmlns:r="http://schemas.openxmlformats.org/officeDocument/2006/relationships" xmlns:p="http://schemas.openxmlformats.org/presentationml/2006/main">
+  <p:cSld>
+    <p:spTree>
+      <p:nvGrpSpPr>
+        <p:cNvPr id="1" name=""/>
+        <p:cNvGrpSpPr/>
+        <p:nvPr/>
+      </p:nvGrpSpPr>
+      <p:grpSpPr>
+        <a:xfrm>
+          <a:off x="0" y="0"/>
+          <a:ext cx="0" cy="0"/>
+          <a:chOff x="0" y="0"/>
+          <a:chExt cx="0" cy="0"/>
+        </a:xfrm>
+      </p:grpSpPr>
+      <p:sp>
+        <p:nvSpPr>
+          <p:cNvPr id="4" name="Title 3">
+            <a:extLst>
+              <a:ext uri="{FF2B5EF4-FFF2-40B4-BE49-F238E27FC236}">
+                <a16:creationId xmlns:a16="http://schemas.microsoft.com/office/drawing/2014/main" id="{287AB0C6-E966-43A1-9FE3-A9630EB3AA20}"/>
+              </a:ext>
+            </a:extLst>
+          </p:cNvPr>
+          <p:cNvSpPr>
+            <a:spLocks noGrp="1"/>
+          </p:cNvSpPr>
+          <p:nvPr>
+            <p:ph type="title"/>
+          </p:nvPr>
+        </p:nvSpPr>
+        <p:spPr/>
+        <p:txBody>
+          <a:bodyPr/>
+          <a:lstStyle/>
+          <a:p>
+            <a:r>
+              <a:rPr lang="en-US" altLang="ko-KR" dirty="0"/>
+              <a:t>Azure Mobile App</a:t>
+            </a:r>
+            <a:endParaRPr lang="ko-KR" altLang="en-US" dirty="0"/>
+          </a:p>
+        </p:txBody>
+      </p:sp>
+      <p:pic>
+        <p:nvPicPr>
+          <p:cNvPr id="3074" name="Picture 2" descr="Mobile Apps">
+            <a:extLst>
+              <a:ext uri="{FF2B5EF4-FFF2-40B4-BE49-F238E27FC236}">
+                <a16:creationId xmlns:a16="http://schemas.microsoft.com/office/drawing/2014/main" id="{1F48B46D-4761-4864-AD3D-1515C22C8055}"/>
+              </a:ext>
+            </a:extLst>
+          </p:cNvPr>
+          <p:cNvPicPr>
+            <a:picLocks noGrp="1" noChangeAspect="1" noChangeArrowheads="1"/>
+          </p:cNvPicPr>
+          <p:nvPr>
+            <p:ph idx="1"/>
+          </p:nvPr>
+        </p:nvPicPr>
+        <p:blipFill>
+          <a:blip r:embed="rId2">
+            <a:extLst>
+              <a:ext uri="{28A0092B-C50C-407E-A947-70E740481C1C}">
+                <a14:useLocalDpi xmlns:a14="http://schemas.microsoft.com/office/drawing/2010/main" val="0"/>
+              </a:ext>
+            </a:extLst>
+          </a:blip>
+          <a:srcRect/>
+          <a:stretch>
+            <a:fillRect/>
+          </a:stretch>
+        </p:blipFill>
+        <p:spPr bwMode="auto">
+          <a:xfrm>
+            <a:off x="838200" y="1690688"/>
+            <a:ext cx="8819756" cy="4629374"/>
+          </a:xfrm>
+          <a:prstGeom prst="rect">
+            <a:avLst/>
+          </a:prstGeom>
+          <a:noFill/>
+          <a:extLst>
+            <a:ext uri="{909E8E84-426E-40DD-AFC4-6F175D3DCCD1}">
+              <a14:hiddenFill xmlns:a14="http://schemas.microsoft.com/office/drawing/2010/main">
+                <a:solidFill>
+                  <a:srgbClr val="FFFFFF"/>
+                </a:solidFill>
+              </a14:hiddenFill>
+            </a:ext>
+          </a:extLst>
+        </p:spPr>
+      </p:pic>
+    </p:spTree>
+    <p:extLst>
+      <p:ext uri="{BB962C8B-B14F-4D97-AF65-F5344CB8AC3E}">
+        <p14:creationId xmlns:p14="http://schemas.microsoft.com/office/powerpoint/2010/main" val="259649539"/>
+      </p:ext>
+    </p:extLst>
+  </p:cSld>
+  <p:clrMapOvr>
+    <a:masterClrMapping/>
+  </p:clrMapOvr>
+</p:sld>
+</file>
+
+<file path=ppt/slides/slide3.xml><?xml version="1.0" encoding="utf-8"?>
+<p:sld xmlns:a="http://schemas.openxmlformats.org/drawingml/2006/main" xmlns:r="http://schemas.openxmlformats.org/officeDocument/2006/relationships" xmlns:p="http://schemas.openxmlformats.org/presentationml/2006/main">
+  <p:cSld>
+    <p:spTree>
+      <p:nvGrpSpPr>
+        <p:cNvPr id="1" name=""/>
+        <p:cNvGrpSpPr/>
+        <p:nvPr/>
+      </p:nvGrpSpPr>
+      <p:grpSpPr>
+        <a:xfrm>
+          <a:off x="0" y="0"/>
+          <a:ext cx="0" cy="0"/>
+          <a:chOff x="0" y="0"/>
+          <a:chExt cx="0" cy="0"/>
+        </a:xfrm>
+      </p:grpSpPr>
+      <p:sp>
+        <p:nvSpPr>
+          <p:cNvPr id="4" name="Title 3">
+            <a:extLst>
+              <a:ext uri="{FF2B5EF4-FFF2-40B4-BE49-F238E27FC236}">
+                <a16:creationId xmlns:a16="http://schemas.microsoft.com/office/drawing/2014/main" id="{287AB0C6-E966-43A1-9FE3-A9630EB3AA20}"/>
+              </a:ext>
+            </a:extLst>
+          </p:cNvPr>
+          <p:cNvSpPr>
+            <a:spLocks noGrp="1"/>
+          </p:cNvSpPr>
+          <p:nvPr>
+            <p:ph type="title"/>
+          </p:nvPr>
+        </p:nvSpPr>
+        <p:spPr/>
+        <p:txBody>
+          <a:bodyPr/>
+          <a:lstStyle/>
+          <a:p>
+            <a:r>
+              <a:rPr lang="en-US" altLang="ko-KR" dirty="0"/>
+              <a:t>Azure Mobile App</a:t>
+            </a:r>
+            <a:endParaRPr lang="ko-KR" altLang="en-US" dirty="0"/>
+          </a:p>
+        </p:txBody>
+      </p:sp>
+      <p:sp>
+        <p:nvSpPr>
+          <p:cNvPr id="3" name="Content Placeholder 2">
+            <a:extLst>
+              <a:ext uri="{FF2B5EF4-FFF2-40B4-BE49-F238E27FC236}">
+                <a16:creationId xmlns:a16="http://schemas.microsoft.com/office/drawing/2014/main" id="{F836234E-541E-42A2-97C2-941650033EFD}"/>
+              </a:ext>
+            </a:extLst>
+          </p:cNvPr>
+          <p:cNvSpPr>
+            <a:spLocks noGrp="1"/>
+          </p:cNvSpPr>
+          <p:nvPr>
+            <p:ph idx="1"/>
+          </p:nvPr>
+        </p:nvSpPr>
+        <p:spPr/>
+        <p:txBody>
+          <a:bodyPr/>
+          <a:lstStyle/>
+          <a:p>
+            <a:r>
+              <a:rPr lang="ko-KR" altLang="en-US" dirty="0"/>
+              <a:t>네이티브 및 크로스 플랫폼 앱 개발시에 유용한 서비스</a:t>
+            </a:r>
+            <a:endParaRPr lang="en-US" altLang="ko-KR" dirty="0"/>
+          </a:p>
+          <a:p>
+            <a:r>
+              <a:rPr lang="ko-KR" altLang="en-US" dirty="0"/>
+              <a:t>기업 시스템과 연계하여 통합 계정 관리등의 시나리오 구성 가능</a:t>
+            </a:r>
+            <a:endParaRPr lang="en-US" altLang="ko-KR" dirty="0"/>
+          </a:p>
+          <a:p>
+            <a:r>
+              <a:rPr lang="ko-KR" altLang="en-US" dirty="0"/>
+              <a:t>오프라인 데이터 싱크 기능을 쉽게 구축 가능 </a:t>
+            </a:r>
+            <a:endParaRPr lang="en-US" altLang="ko-KR" dirty="0"/>
+          </a:p>
+          <a:p>
+            <a:r>
+              <a:rPr lang="ko-KR" altLang="en-US" dirty="0"/>
+              <a:t>푸쉬 알림 기능을 쉽게 구현 가능 </a:t>
+            </a:r>
+            <a:endParaRPr lang="en-US" altLang="ko-KR" dirty="0"/>
+          </a:p>
+        </p:txBody>
+      </p:sp>
+    </p:spTree>
+    <p:extLst>
+      <p:ext uri="{BB962C8B-B14F-4D97-AF65-F5344CB8AC3E}">
+        <p14:creationId xmlns:p14="http://schemas.microsoft.com/office/powerpoint/2010/main" val="224712793"/>
+      </p:ext>
+    </p:extLst>
+  </p:cSld>
+  <p:clrMapOvr>
+    <a:masterClrMapping/>
+  </p:clrMapOvr>
+</p:sld>
+</file>
+
+<file path=ppt/slides/slide4.xml><?xml version="1.0" encoding="utf-8"?>
+<p:sld xmlns:a="http://schemas.openxmlformats.org/drawingml/2006/main" xmlns:r="http://schemas.openxmlformats.org/officeDocument/2006/relationships" xmlns:p="http://schemas.openxmlformats.org/presentationml/2006/main">
+  <p:cSld>
+    <p:spTree>
+      <p:nvGrpSpPr>
+        <p:cNvPr id="1" name=""/>
+        <p:cNvGrpSpPr/>
+        <p:nvPr/>
+      </p:nvGrpSpPr>
+      <p:grpSpPr>
+        <a:xfrm>
+          <a:off x="0" y="0"/>
+          <a:ext cx="0" cy="0"/>
+          <a:chOff x="0" y="0"/>
+          <a:chExt cx="0" cy="0"/>
+        </a:xfrm>
+      </p:grpSpPr>
+      <p:sp>
+        <p:nvSpPr>
+          <p:cNvPr id="2" name="Title 1">
+            <a:extLst>
+              <a:ext uri="{FF2B5EF4-FFF2-40B4-BE49-F238E27FC236}">
+                <a16:creationId xmlns:a16="http://schemas.microsoft.com/office/drawing/2014/main" id="{547B4A56-CB51-405C-8108-D64DC89B1377}"/>
+              </a:ext>
+            </a:extLst>
+          </p:cNvPr>
+          <p:cNvSpPr>
+            <a:spLocks noGrp="1"/>
+          </p:cNvSpPr>
+          <p:nvPr>
+            <p:ph type="title"/>
+          </p:nvPr>
+        </p:nvSpPr>
+        <p:spPr/>
+        <p:txBody>
+          <a:bodyPr/>
+          <a:lstStyle/>
+          <a:p>
+            <a:r>
+              <a:rPr lang="ko-KR" altLang="en-US" dirty="0"/>
+              <a:t>인증 및 허가 </a:t>
+            </a:r>
+          </a:p>
+        </p:txBody>
+      </p:sp>
+      <p:sp>
+        <p:nvSpPr>
+          <p:cNvPr id="3" name="Content Placeholder 2">
+            <a:extLst>
+              <a:ext uri="{FF2B5EF4-FFF2-40B4-BE49-F238E27FC236}">
+                <a16:creationId xmlns:a16="http://schemas.microsoft.com/office/drawing/2014/main" id="{B4F86EE0-771C-4204-A63B-92152516D73A}"/>
+              </a:ext>
+            </a:extLst>
+          </p:cNvPr>
+          <p:cNvSpPr>
+            <a:spLocks noGrp="1"/>
+          </p:cNvSpPr>
+          <p:nvPr>
+            <p:ph idx="1"/>
+          </p:nvPr>
+        </p:nvSpPr>
+        <p:spPr/>
+        <p:txBody>
+          <a:bodyPr/>
+          <a:lstStyle/>
+          <a:p>
+            <a:r>
+              <a:rPr lang="en-US" altLang="ko-KR" dirty="0"/>
+              <a:t>Azure Active Directory</a:t>
+            </a:r>
+            <a:r>
+              <a:rPr lang="ko-KR" altLang="en-US" dirty="0"/>
+              <a:t>를 비롯하여 </a:t>
+            </a:r>
+            <a:r>
+              <a:rPr lang="en-US" altLang="ko-KR" dirty="0"/>
+              <a:t>Facebook, Google, Twitter </a:t>
+            </a:r>
+            <a:r>
+              <a:rPr lang="ko-KR" altLang="en-US" dirty="0"/>
+              <a:t>및 </a:t>
+            </a:r>
+            <a:r>
+              <a:rPr lang="en-US" altLang="ko-KR" dirty="0"/>
+              <a:t>Microsoft Account</a:t>
+            </a:r>
+            <a:r>
+              <a:rPr lang="ko-KR" altLang="en-US" dirty="0"/>
+              <a:t>와 같은 소셜 공급자를 비롯하여 계속 늘어나는 </a:t>
+            </a:r>
+            <a:r>
+              <a:rPr lang="en-US" altLang="ko-KR" dirty="0"/>
+              <a:t>ID </a:t>
+            </a:r>
+            <a:r>
+              <a:rPr lang="ko-KR" altLang="en-US" dirty="0"/>
+              <a:t>공급자 목록에서 선택하십시오</a:t>
+            </a:r>
+            <a:r>
+              <a:rPr lang="en-US" altLang="ko-KR" dirty="0"/>
+              <a:t>.</a:t>
+            </a:r>
+          </a:p>
+          <a:p>
+            <a:r>
+              <a:rPr lang="en-US" altLang="ko-KR" dirty="0"/>
+              <a:t> Azure </a:t>
+            </a:r>
+            <a:r>
+              <a:rPr lang="ko-KR" altLang="en-US" dirty="0"/>
+              <a:t>모바일 앱은 각 제공 업체에 대해 </a:t>
+            </a:r>
+            <a:r>
+              <a:rPr lang="en-US" altLang="ko-KR" dirty="0"/>
+              <a:t>OAuth 2.0 </a:t>
+            </a:r>
+            <a:r>
+              <a:rPr lang="ko-KR" altLang="en-US" dirty="0"/>
+              <a:t>서비스를 제공합니다</a:t>
+            </a:r>
+            <a:r>
+              <a:rPr lang="en-US" altLang="ko-KR" dirty="0"/>
+              <a:t>. </a:t>
+            </a:r>
+          </a:p>
+          <a:p>
+            <a:r>
+              <a:rPr lang="ko-KR" altLang="en-US" dirty="0"/>
+              <a:t>또한 공급자 별 기능에 대한 </a:t>
+            </a:r>
+            <a:r>
+              <a:rPr lang="en-US" altLang="ko-KR" dirty="0"/>
+              <a:t>ID </a:t>
+            </a:r>
+            <a:r>
+              <a:rPr lang="ko-KR" altLang="en-US" dirty="0"/>
+              <a:t>공급자 용 </a:t>
+            </a:r>
+            <a:r>
+              <a:rPr lang="en-US" altLang="ko-KR" dirty="0"/>
+              <a:t>SDK</a:t>
+            </a:r>
+            <a:r>
+              <a:rPr lang="ko-KR" altLang="en-US" dirty="0"/>
+              <a:t>를 통합 할 수도 있습니다</a:t>
+            </a:r>
+            <a:r>
+              <a:rPr lang="en-US" altLang="ko-KR" dirty="0"/>
+              <a:t>.</a:t>
+            </a:r>
+            <a:endParaRPr lang="ko-KR" altLang="en-US" dirty="0"/>
+          </a:p>
+          <a:p>
+            <a:endParaRPr lang="ko-KR" altLang="en-US" dirty="0"/>
+          </a:p>
+        </p:txBody>
+      </p:sp>
+    </p:spTree>
+    <p:extLst>
+      <p:ext uri="{BB962C8B-B14F-4D97-AF65-F5344CB8AC3E}">
+        <p14:creationId xmlns:p14="http://schemas.microsoft.com/office/powerpoint/2010/main" val="2240618334"/>
+      </p:ext>
+    </p:extLst>
+  </p:cSld>
+  <p:clrMapOvr>
+    <a:masterClrMapping/>
+  </p:clrMapOvr>
+</p:sld>
+</file>
+
+<file path=ppt/slides/slide5.xml><?xml version="1.0" encoding="utf-8"?>
+<p:sld xmlns:a="http://schemas.openxmlformats.org/drawingml/2006/main" xmlns:r="http://schemas.openxmlformats.org/officeDocument/2006/relationships" xmlns:p="http://schemas.openxmlformats.org/presentationml/2006/main">
+  <p:cSld>
     <p:spTree>
       <p:nvGrpSpPr>
         <p:cNvPr id="1" name=""/>
@@ -31741,7 +31560,7 @@
 </p:sld>
 </file>
 
-<file path=ppt/slides/slide11.xml><?xml version="1.0" encoding="utf-8"?>
+<file path=ppt/slides/slide6.xml><?xml version="1.0" encoding="utf-8"?>
 <p:sld xmlns:a="http://schemas.openxmlformats.org/drawingml/2006/main" xmlns:r="http://schemas.openxmlformats.org/officeDocument/2006/relationships" xmlns:p="http://schemas.openxmlformats.org/presentationml/2006/main">
   <p:cSld>
     <p:spTree>
@@ -31850,7 +31669,7 @@
 </p:sld>
 </file>
 
-<file path=ppt/slides/slide12.xml><?xml version="1.0" encoding="utf-8"?>
+<file path=ppt/slides/slide7.xml><?xml version="1.0" encoding="utf-8"?>
 <p:sld xmlns:a="http://schemas.openxmlformats.org/drawingml/2006/main" xmlns:r="http://schemas.openxmlformats.org/officeDocument/2006/relationships" xmlns:p="http://schemas.openxmlformats.org/presentationml/2006/main">
   <p:cSld>
     <p:spTree>
@@ -32187,7 +32006,7 @@
 </p:sld>
 </file>
 
-<file path=ppt/slides/slide13.xml><?xml version="1.0" encoding="utf-8"?>
+<file path=ppt/slides/slide8.xml><?xml version="1.0" encoding="utf-8"?>
 <p:sld xmlns:a="http://schemas.openxmlformats.org/drawingml/2006/main" xmlns:r="http://schemas.openxmlformats.org/officeDocument/2006/relationships" xmlns:p="http://schemas.openxmlformats.org/presentationml/2006/main">
   <p:cSld>
     <p:spTree>
@@ -32391,7 +32210,7 @@
 </p:sld>
 </file>
 
-<file path=ppt/slides/slide14.xml><?xml version="1.0" encoding="utf-8"?>
+<file path=ppt/slides/slide9.xml><?xml version="1.0" encoding="utf-8"?>
 <p:sld xmlns:a="http://schemas.openxmlformats.org/drawingml/2006/main" xmlns:r="http://schemas.openxmlformats.org/officeDocument/2006/relationships" xmlns:p="http://schemas.openxmlformats.org/presentationml/2006/main">
   <p:cSld>
     <p:bg>
@@ -32513,931 +32332,6 @@
     <p:extLst>
       <p:ext uri="{BB962C8B-B14F-4D97-AF65-F5344CB8AC3E}">
         <p14:creationId xmlns:p14="http://schemas.microsoft.com/office/powerpoint/2010/main" val="1220329134"/>
-      </p:ext>
-    </p:extLst>
-  </p:cSld>
-  <p:clrMapOvr>
-    <a:masterClrMapping/>
-  </p:clrMapOvr>
-</p:sld>
-</file>
-
-<file path=ppt/slides/slide15.xml><?xml version="1.0" encoding="utf-8"?>
-<p:sld xmlns:a="http://schemas.openxmlformats.org/drawingml/2006/main" xmlns:r="http://schemas.openxmlformats.org/officeDocument/2006/relationships" xmlns:p="http://schemas.openxmlformats.org/presentationml/2006/main">
-  <p:cSld>
-    <p:bg>
-      <p:bgPr>
-        <a:solidFill>
-          <a:srgbClr val="349FE7"/>
-        </a:solidFill>
-        <a:effectLst/>
-      </p:bgPr>
-    </p:bg>
-    <p:spTree>
-      <p:nvGrpSpPr>
-        <p:cNvPr id="1" name=""/>
-        <p:cNvGrpSpPr/>
-        <p:nvPr/>
-      </p:nvGrpSpPr>
-      <p:grpSpPr>
-        <a:xfrm>
-          <a:off x="0" y="0"/>
-          <a:ext cx="0" cy="0"/>
-          <a:chOff x="0" y="0"/>
-          <a:chExt cx="0" cy="0"/>
-        </a:xfrm>
-      </p:grpSpPr>
-      <p:sp>
-        <p:nvSpPr>
-          <p:cNvPr id="3" name="Title 2">
-            <a:extLst>
-              <a:ext uri="{FF2B5EF4-FFF2-40B4-BE49-F238E27FC236}">
-                <a16:creationId xmlns:a16="http://schemas.microsoft.com/office/drawing/2014/main" id="{E039260B-0DF6-4325-9D90-32DF1F8419A2}"/>
-              </a:ext>
-            </a:extLst>
-          </p:cNvPr>
-          <p:cNvSpPr>
-            <a:spLocks noGrp="1"/>
-          </p:cNvSpPr>
-          <p:nvPr>
-            <p:ph type="title"/>
-          </p:nvPr>
-        </p:nvSpPr>
-        <p:spPr/>
-        <p:txBody>
-          <a:bodyPr/>
-          <a:lstStyle/>
-          <a:p>
-            <a:r>
-              <a:rPr lang="ko-KR" altLang="en-US" dirty="0">
-                <a:solidFill>
-                  <a:schemeClr val="bg1"/>
-                </a:solidFill>
-              </a:rPr>
-              <a:t>실습</a:t>
-            </a:r>
-            <a:r>
-              <a:rPr lang="en-US" altLang="ko-KR" dirty="0">
-                <a:solidFill>
-                  <a:schemeClr val="bg1"/>
-                </a:solidFill>
-              </a:rPr>
-              <a:t> #1</a:t>
-            </a:r>
-            <a:endParaRPr lang="ko-KR" altLang="en-US" dirty="0">
-              <a:solidFill>
-                <a:schemeClr val="bg1"/>
-              </a:solidFill>
-            </a:endParaRPr>
-          </a:p>
-        </p:txBody>
-      </p:sp>
-      <p:sp>
-        <p:nvSpPr>
-          <p:cNvPr id="6" name="Text Placeholder 5">
-            <a:extLst>
-              <a:ext uri="{FF2B5EF4-FFF2-40B4-BE49-F238E27FC236}">
-                <a16:creationId xmlns:a16="http://schemas.microsoft.com/office/drawing/2014/main" id="{4538CE48-6EED-4A89-8809-CE48D975C22B}"/>
-              </a:ext>
-            </a:extLst>
-          </p:cNvPr>
-          <p:cNvSpPr>
-            <a:spLocks noGrp="1"/>
-          </p:cNvSpPr>
-          <p:nvPr>
-            <p:ph type="body" idx="1"/>
-          </p:nvPr>
-        </p:nvSpPr>
-        <p:spPr/>
-        <p:txBody>
-          <a:bodyPr/>
-          <a:lstStyle/>
-          <a:p>
-            <a:r>
-              <a:rPr lang="en-US" altLang="ko-KR" dirty="0">
-                <a:solidFill>
-                  <a:schemeClr val="bg1"/>
-                </a:solidFill>
-              </a:rPr>
-              <a:t>Azure Mobile App Service</a:t>
-            </a:r>
-            <a:r>
-              <a:rPr lang="ko-KR" altLang="en-US" dirty="0">
-                <a:solidFill>
-                  <a:schemeClr val="bg1"/>
-                </a:solidFill>
-              </a:rPr>
-              <a:t> 만들어보기  </a:t>
-            </a:r>
-          </a:p>
-        </p:txBody>
-      </p:sp>
-    </p:spTree>
-    <p:extLst>
-      <p:ext uri="{BB962C8B-B14F-4D97-AF65-F5344CB8AC3E}">
-        <p14:creationId xmlns:p14="http://schemas.microsoft.com/office/powerpoint/2010/main" val="2292375787"/>
-      </p:ext>
-    </p:extLst>
-  </p:cSld>
-  <p:clrMapOvr>
-    <a:masterClrMapping/>
-  </p:clrMapOvr>
-</p:sld>
-</file>
-
-<file path=ppt/slides/slide16.xml><?xml version="1.0" encoding="utf-8"?>
-<p:sld xmlns:a="http://schemas.openxmlformats.org/drawingml/2006/main" xmlns:r="http://schemas.openxmlformats.org/officeDocument/2006/relationships" xmlns:p="http://schemas.openxmlformats.org/presentationml/2006/main">
-  <p:cSld>
-    <p:spTree>
-      <p:nvGrpSpPr>
-        <p:cNvPr id="1" name=""/>
-        <p:cNvGrpSpPr/>
-        <p:nvPr/>
-      </p:nvGrpSpPr>
-      <p:grpSpPr>
-        <a:xfrm>
-          <a:off x="0" y="0"/>
-          <a:ext cx="0" cy="0"/>
-          <a:chOff x="0" y="0"/>
-          <a:chExt cx="0" cy="0"/>
-        </a:xfrm>
-      </p:grpSpPr>
-    </p:spTree>
-    <p:extLst>
-      <p:ext uri="{BB962C8B-B14F-4D97-AF65-F5344CB8AC3E}">
-        <p14:creationId xmlns:p14="http://schemas.microsoft.com/office/powerpoint/2010/main" val="3206878494"/>
-      </p:ext>
-    </p:extLst>
-  </p:cSld>
-  <p:clrMapOvr>
-    <a:masterClrMapping/>
-  </p:clrMapOvr>
-  <p:transition>
-    <p:fade/>
-  </p:transition>
-</p:sld>
-</file>
-
-<file path=ppt/slides/slide2.xml><?xml version="1.0" encoding="utf-8"?>
-<p:sld xmlns:a="http://schemas.openxmlformats.org/drawingml/2006/main" xmlns:r="http://schemas.openxmlformats.org/officeDocument/2006/relationships" xmlns:p="http://schemas.openxmlformats.org/presentationml/2006/main">
-  <p:cSld>
-    <p:spTree>
-      <p:nvGrpSpPr>
-        <p:cNvPr id="1" name=""/>
-        <p:cNvGrpSpPr/>
-        <p:nvPr/>
-      </p:nvGrpSpPr>
-      <p:grpSpPr>
-        <a:xfrm>
-          <a:off x="0" y="0"/>
-          <a:ext cx="0" cy="0"/>
-          <a:chOff x="0" y="0"/>
-          <a:chExt cx="0" cy="0"/>
-        </a:xfrm>
-      </p:grpSpPr>
-      <p:sp>
-        <p:nvSpPr>
-          <p:cNvPr id="2" name="Title 1"/>
-          <p:cNvSpPr>
-            <a:spLocks noGrp="1"/>
-          </p:cNvSpPr>
-          <p:nvPr>
-            <p:ph type="title"/>
-          </p:nvPr>
-        </p:nvSpPr>
-        <p:spPr/>
-        <p:txBody>
-          <a:bodyPr/>
-          <a:lstStyle/>
-          <a:p>
-            <a:r>
-              <a:rPr lang="ko-KR" altLang="en-US" dirty="0">
-                <a:latin typeface="청소년서체" panose="02020603020101020101" pitchFamily="18" charset="-127"/>
-                <a:ea typeface="청소년서체" panose="02020603020101020101" pitchFamily="18" charset="-127"/>
-              </a:rPr>
-              <a:t>클라우드 컴퓨팅</a:t>
-            </a:r>
-            <a:r>
-              <a:rPr lang="en-US" altLang="ko-KR" dirty="0">
-                <a:latin typeface="청소년서체" panose="02020603020101020101" pitchFamily="18" charset="-127"/>
-                <a:ea typeface="청소년서체" panose="02020603020101020101" pitchFamily="18" charset="-127"/>
-              </a:rPr>
-              <a:t> </a:t>
-            </a:r>
-            <a:endParaRPr lang="en-US" dirty="0">
-              <a:latin typeface="청소년서체" panose="02020603020101020101" pitchFamily="18" charset="-127"/>
-              <a:ea typeface="청소년서체" panose="02020603020101020101" pitchFamily="18" charset="-127"/>
-            </a:endParaRPr>
-          </a:p>
-        </p:txBody>
-      </p:sp>
-    </p:spTree>
-    <p:extLst>
-      <p:ext uri="{BB962C8B-B14F-4D97-AF65-F5344CB8AC3E}">
-        <p14:creationId xmlns:p14="http://schemas.microsoft.com/office/powerpoint/2010/main" val="3249496989"/>
-      </p:ext>
-    </p:extLst>
-  </p:cSld>
-  <p:clrMapOvr>
-    <a:masterClrMapping/>
-  </p:clrMapOvr>
-  <mc:AlternateContent xmlns:mc="http://schemas.openxmlformats.org/markup-compatibility/2006" xmlns:p14="http://schemas.microsoft.com/office/powerpoint/2010/main">
-    <mc:Choice Requires="p14">
-      <p:transition spd="med" p14:dur="700">
-        <p:fade/>
-      </p:transition>
-    </mc:Choice>
-    <mc:Fallback xmlns="">
-      <p:transition spd="med">
-        <p:fade/>
-      </p:transition>
-    </mc:Fallback>
-  </mc:AlternateContent>
-</p:sld>
-</file>
-
-<file path=ppt/slides/slide3.xml><?xml version="1.0" encoding="utf-8"?>
-<p:sld xmlns:a="http://schemas.openxmlformats.org/drawingml/2006/main" xmlns:r="http://schemas.openxmlformats.org/officeDocument/2006/relationships" xmlns:p="http://schemas.openxmlformats.org/presentationml/2006/main">
-  <p:cSld>
-    <p:spTree>
-      <p:nvGrpSpPr>
-        <p:cNvPr id="1" name=""/>
-        <p:cNvGrpSpPr/>
-        <p:nvPr/>
-      </p:nvGrpSpPr>
-      <p:grpSpPr>
-        <a:xfrm>
-          <a:off x="0" y="0"/>
-          <a:ext cx="0" cy="0"/>
-          <a:chOff x="0" y="0"/>
-          <a:chExt cx="0" cy="0"/>
-        </a:xfrm>
-      </p:grpSpPr>
-      <p:pic>
-        <p:nvPicPr>
-          <p:cNvPr id="1026" name="Picture 2" descr="https://upload.wikimedia.org/wikipedia/commons/thumb/b/b5/Cloud_computing.svg/1175px-Cloud_computing.svg.png">
-            <a:extLst>
-              <a:ext uri="{FF2B5EF4-FFF2-40B4-BE49-F238E27FC236}">
-                <a16:creationId xmlns:a16="http://schemas.microsoft.com/office/drawing/2014/main" id="{4C8E6D23-EF1B-4828-8C4A-341E95C1923B}"/>
-              </a:ext>
-            </a:extLst>
-          </p:cNvPr>
-          <p:cNvPicPr>
-            <a:picLocks noChangeAspect="1" noChangeArrowheads="1"/>
-          </p:cNvPicPr>
-          <p:nvPr/>
-        </p:nvPicPr>
-        <p:blipFill>
-          <a:blip r:embed="rId2">
-            <a:extLst>
-              <a:ext uri="{28A0092B-C50C-407E-A947-70E740481C1C}">
-                <a14:useLocalDpi xmlns:a14="http://schemas.microsoft.com/office/drawing/2010/main" val="0"/>
-              </a:ext>
-            </a:extLst>
-          </a:blip>
-          <a:srcRect/>
-          <a:stretch>
-            <a:fillRect/>
-          </a:stretch>
-        </p:blipFill>
-        <p:spPr bwMode="auto">
-          <a:xfrm>
-            <a:off x="2308225" y="0"/>
-            <a:ext cx="7573963" cy="6858000"/>
-          </a:xfrm>
-          <a:prstGeom prst="rect">
-            <a:avLst/>
-          </a:prstGeom>
-          <a:noFill/>
-          <a:extLst>
-            <a:ext uri="{909E8E84-426E-40DD-AFC4-6F175D3DCCD1}">
-              <a14:hiddenFill xmlns:a14="http://schemas.microsoft.com/office/drawing/2010/main">
-                <a:solidFill>
-                  <a:srgbClr val="FFFFFF"/>
-                </a:solidFill>
-              </a14:hiddenFill>
-            </a:ext>
-          </a:extLst>
-        </p:spPr>
-      </p:pic>
-    </p:spTree>
-    <p:extLst>
-      <p:ext uri="{BB962C8B-B14F-4D97-AF65-F5344CB8AC3E}">
-        <p14:creationId xmlns:p14="http://schemas.microsoft.com/office/powerpoint/2010/main" val="2834471732"/>
-      </p:ext>
-    </p:extLst>
-  </p:cSld>
-  <p:clrMapOvr>
-    <a:masterClrMapping/>
-  </p:clrMapOvr>
-  <p:transition>
-    <p:fade/>
-  </p:transition>
-</p:sld>
-</file>
-
-<file path=ppt/slides/slide4.xml><?xml version="1.0" encoding="utf-8"?>
-<p:sld xmlns:a="http://schemas.openxmlformats.org/drawingml/2006/main" xmlns:r="http://schemas.openxmlformats.org/officeDocument/2006/relationships" xmlns:p="http://schemas.openxmlformats.org/presentationml/2006/main">
-  <p:cSld>
-    <p:spTree>
-      <p:nvGrpSpPr>
-        <p:cNvPr id="1" name=""/>
-        <p:cNvGrpSpPr/>
-        <p:nvPr/>
-      </p:nvGrpSpPr>
-      <p:grpSpPr>
-        <a:xfrm>
-          <a:off x="0" y="0"/>
-          <a:ext cx="0" cy="0"/>
-          <a:chOff x="0" y="0"/>
-          <a:chExt cx="0" cy="0"/>
-        </a:xfrm>
-      </p:grpSpPr>
-      <p:pic>
-        <p:nvPicPr>
-          <p:cNvPr id="2052" name="Picture 4" descr="paas iaas saas에 대한 이미지 검색결과">
-            <a:extLst>
-              <a:ext uri="{FF2B5EF4-FFF2-40B4-BE49-F238E27FC236}">
-                <a16:creationId xmlns:a16="http://schemas.microsoft.com/office/drawing/2014/main" id="{1400AE8A-0ED6-40E3-9F98-4C3499D9BCDC}"/>
-              </a:ext>
-            </a:extLst>
-          </p:cNvPr>
-          <p:cNvPicPr>
-            <a:picLocks noChangeAspect="1" noChangeArrowheads="1"/>
-          </p:cNvPicPr>
-          <p:nvPr/>
-        </p:nvPicPr>
-        <p:blipFill>
-          <a:blip r:embed="rId2">
-            <a:extLst>
-              <a:ext uri="{28A0092B-C50C-407E-A947-70E740481C1C}">
-                <a14:useLocalDpi xmlns:a14="http://schemas.microsoft.com/office/drawing/2010/main" val="0"/>
-              </a:ext>
-            </a:extLst>
-          </a:blip>
-          <a:srcRect/>
-          <a:stretch>
-            <a:fillRect/>
-          </a:stretch>
-        </p:blipFill>
-        <p:spPr bwMode="auto">
-          <a:xfrm>
-            <a:off x="1154907" y="676273"/>
-            <a:ext cx="9938147" cy="5845969"/>
-          </a:xfrm>
-          <a:prstGeom prst="rect">
-            <a:avLst/>
-          </a:prstGeom>
-          <a:noFill/>
-          <a:extLst>
-            <a:ext uri="{909E8E84-426E-40DD-AFC4-6F175D3DCCD1}">
-              <a14:hiddenFill xmlns:a14="http://schemas.microsoft.com/office/drawing/2010/main">
-                <a:solidFill>
-                  <a:srgbClr val="FFFFFF"/>
-                </a:solidFill>
-              </a14:hiddenFill>
-            </a:ext>
-          </a:extLst>
-        </p:spPr>
-      </p:pic>
-    </p:spTree>
-    <p:extLst>
-      <p:ext uri="{BB962C8B-B14F-4D97-AF65-F5344CB8AC3E}">
-        <p14:creationId xmlns:p14="http://schemas.microsoft.com/office/powerpoint/2010/main" val="1275447365"/>
-      </p:ext>
-    </p:extLst>
-  </p:cSld>
-  <p:clrMapOvr>
-    <a:masterClrMapping/>
-  </p:clrMapOvr>
-  <p:transition>
-    <p:fade/>
-  </p:transition>
-</p:sld>
-</file>
-
-<file path=ppt/slides/slide5.xml><?xml version="1.0" encoding="utf-8"?>
-<p:sld xmlns:a="http://schemas.openxmlformats.org/drawingml/2006/main" xmlns:r="http://schemas.openxmlformats.org/officeDocument/2006/relationships" xmlns:p="http://schemas.openxmlformats.org/presentationml/2006/main">
-  <p:cSld>
-    <p:spTree>
-      <p:nvGrpSpPr>
-        <p:cNvPr id="1" name=""/>
-        <p:cNvGrpSpPr/>
-        <p:nvPr/>
-      </p:nvGrpSpPr>
-      <p:grpSpPr>
-        <a:xfrm>
-          <a:off x="0" y="0"/>
-          <a:ext cx="0" cy="0"/>
-          <a:chOff x="0" y="0"/>
-          <a:chExt cx="0" cy="0"/>
-        </a:xfrm>
-      </p:grpSpPr>
-      <p:sp>
-        <p:nvSpPr>
-          <p:cNvPr id="2" name="Title 1"/>
-          <p:cNvSpPr>
-            <a:spLocks noGrp="1"/>
-          </p:cNvSpPr>
-          <p:nvPr>
-            <p:ph type="title"/>
-          </p:nvPr>
-        </p:nvSpPr>
-        <p:spPr/>
-        <p:txBody>
-          <a:bodyPr/>
-          <a:lstStyle/>
-          <a:p>
-            <a:r>
-              <a:rPr lang="en-US" dirty="0">
-                <a:latin typeface="청소년서체" panose="02020603020101020101" pitchFamily="18" charset="-127"/>
-                <a:ea typeface="청소년서체" panose="02020603020101020101" pitchFamily="18" charset="-127"/>
-              </a:rPr>
-              <a:t>Microsoft Azure</a:t>
-            </a:r>
-          </a:p>
-        </p:txBody>
-      </p:sp>
-    </p:spTree>
-    <p:extLst>
-      <p:ext uri="{BB962C8B-B14F-4D97-AF65-F5344CB8AC3E}">
-        <p14:creationId xmlns:p14="http://schemas.microsoft.com/office/powerpoint/2010/main" val="2947748271"/>
-      </p:ext>
-    </p:extLst>
-  </p:cSld>
-  <p:clrMapOvr>
-    <a:masterClrMapping/>
-  </p:clrMapOvr>
-  <mc:AlternateContent xmlns:mc="http://schemas.openxmlformats.org/markup-compatibility/2006" xmlns:p14="http://schemas.microsoft.com/office/powerpoint/2010/main">
-    <mc:Choice Requires="p14">
-      <p:transition spd="med" p14:dur="700">
-        <p:fade/>
-      </p:transition>
-    </mc:Choice>
-    <mc:Fallback xmlns="">
-      <p:transition spd="med">
-        <p:fade/>
-      </p:transition>
-    </mc:Fallback>
-  </mc:AlternateContent>
-</p:sld>
-</file>
-
-<file path=ppt/slides/slide6.xml><?xml version="1.0" encoding="utf-8"?>
-<p:sld xmlns:a="http://schemas.openxmlformats.org/drawingml/2006/main" xmlns:r="http://schemas.openxmlformats.org/officeDocument/2006/relationships" xmlns:p="http://schemas.openxmlformats.org/presentationml/2006/main">
-  <p:cSld>
-    <p:spTree>
-      <p:nvGrpSpPr>
-        <p:cNvPr id="1" name=""/>
-        <p:cNvGrpSpPr/>
-        <p:nvPr/>
-      </p:nvGrpSpPr>
-      <p:grpSpPr>
-        <a:xfrm>
-          <a:off x="0" y="0"/>
-          <a:ext cx="0" cy="0"/>
-          <a:chOff x="0" y="0"/>
-          <a:chExt cx="0" cy="0"/>
-        </a:xfrm>
-      </p:grpSpPr>
-      <p:sp>
-        <p:nvSpPr>
-          <p:cNvPr id="3" name="Title 2">
-            <a:extLst>
-              <a:ext uri="{FF2B5EF4-FFF2-40B4-BE49-F238E27FC236}">
-                <a16:creationId xmlns:a16="http://schemas.microsoft.com/office/drawing/2014/main" id="{37F8C348-59C4-4705-9963-4F358FDB4246}"/>
-              </a:ext>
-            </a:extLst>
-          </p:cNvPr>
-          <p:cNvSpPr>
-            <a:spLocks noGrp="1"/>
-          </p:cNvSpPr>
-          <p:nvPr>
-            <p:ph type="title"/>
-          </p:nvPr>
-        </p:nvSpPr>
-        <p:spPr/>
-        <p:txBody>
-          <a:bodyPr/>
-          <a:lstStyle/>
-          <a:p>
-            <a:r>
-              <a:rPr lang="en-US" altLang="ko-KR" dirty="0"/>
-              <a:t>Azure</a:t>
-            </a:r>
-            <a:r>
-              <a:rPr lang="ko-KR" altLang="en-US" dirty="0"/>
-              <a:t> 서비스 나열되있는 장표</a:t>
-            </a:r>
-            <a:br>
-              <a:rPr lang="en-US" altLang="ko-KR" dirty="0"/>
-            </a:br>
-            <a:endParaRPr lang="ko-KR" altLang="en-US" dirty="0"/>
-          </a:p>
-        </p:txBody>
-      </p:sp>
-    </p:spTree>
-    <p:extLst>
-      <p:ext uri="{BB962C8B-B14F-4D97-AF65-F5344CB8AC3E}">
-        <p14:creationId xmlns:p14="http://schemas.microsoft.com/office/powerpoint/2010/main" val="196724919"/>
-      </p:ext>
-    </p:extLst>
-  </p:cSld>
-  <p:clrMapOvr>
-    <a:masterClrMapping/>
-  </p:clrMapOvr>
-  <p:transition>
-    <p:fade/>
-  </p:transition>
-</p:sld>
-</file>
-
-<file path=ppt/slides/slide7.xml><?xml version="1.0" encoding="utf-8"?>
-<p:sld xmlns:a="http://schemas.openxmlformats.org/drawingml/2006/main" xmlns:r="http://schemas.openxmlformats.org/officeDocument/2006/relationships" xmlns:p="http://schemas.openxmlformats.org/presentationml/2006/main">
-  <p:cSld>
-    <p:spTree>
-      <p:nvGrpSpPr>
-        <p:cNvPr id="1" name=""/>
-        <p:cNvGrpSpPr/>
-        <p:nvPr/>
-      </p:nvGrpSpPr>
-      <p:grpSpPr>
-        <a:xfrm>
-          <a:off x="0" y="0"/>
-          <a:ext cx="0" cy="0"/>
-          <a:chOff x="0" y="0"/>
-          <a:chExt cx="0" cy="0"/>
-        </a:xfrm>
-      </p:grpSpPr>
-      <p:sp>
-        <p:nvSpPr>
-          <p:cNvPr id="4" name="Title 3">
-            <a:extLst>
-              <a:ext uri="{FF2B5EF4-FFF2-40B4-BE49-F238E27FC236}">
-                <a16:creationId xmlns:a16="http://schemas.microsoft.com/office/drawing/2014/main" id="{287AB0C6-E966-43A1-9FE3-A9630EB3AA20}"/>
-              </a:ext>
-            </a:extLst>
-          </p:cNvPr>
-          <p:cNvSpPr>
-            <a:spLocks noGrp="1"/>
-          </p:cNvSpPr>
-          <p:nvPr>
-            <p:ph type="title"/>
-          </p:nvPr>
-        </p:nvSpPr>
-        <p:spPr/>
-        <p:txBody>
-          <a:bodyPr/>
-          <a:lstStyle/>
-          <a:p>
-            <a:r>
-              <a:rPr lang="en-US" altLang="ko-KR" dirty="0"/>
-              <a:t>Azure Mobile App</a:t>
-            </a:r>
-            <a:endParaRPr lang="ko-KR" altLang="en-US" dirty="0"/>
-          </a:p>
-        </p:txBody>
-      </p:sp>
-      <p:pic>
-        <p:nvPicPr>
-          <p:cNvPr id="3074" name="Picture 2" descr="Mobile Apps">
-            <a:extLst>
-              <a:ext uri="{FF2B5EF4-FFF2-40B4-BE49-F238E27FC236}">
-                <a16:creationId xmlns:a16="http://schemas.microsoft.com/office/drawing/2014/main" id="{1F48B46D-4761-4864-AD3D-1515C22C8055}"/>
-              </a:ext>
-            </a:extLst>
-          </p:cNvPr>
-          <p:cNvPicPr>
-            <a:picLocks noGrp="1" noChangeAspect="1" noChangeArrowheads="1"/>
-          </p:cNvPicPr>
-          <p:nvPr>
-            <p:ph idx="1"/>
-          </p:nvPr>
-        </p:nvPicPr>
-        <p:blipFill>
-          <a:blip r:embed="rId2">
-            <a:extLst>
-              <a:ext uri="{28A0092B-C50C-407E-A947-70E740481C1C}">
-                <a14:useLocalDpi xmlns:a14="http://schemas.microsoft.com/office/drawing/2010/main" val="0"/>
-              </a:ext>
-            </a:extLst>
-          </a:blip>
-          <a:srcRect/>
-          <a:stretch>
-            <a:fillRect/>
-          </a:stretch>
-        </p:blipFill>
-        <p:spPr bwMode="auto">
-          <a:xfrm>
-            <a:off x="838200" y="1690688"/>
-            <a:ext cx="8819756" cy="4629374"/>
-          </a:xfrm>
-          <a:prstGeom prst="rect">
-            <a:avLst/>
-          </a:prstGeom>
-          <a:noFill/>
-          <a:extLst>
-            <a:ext uri="{909E8E84-426E-40DD-AFC4-6F175D3DCCD1}">
-              <a14:hiddenFill xmlns:a14="http://schemas.microsoft.com/office/drawing/2010/main">
-                <a:solidFill>
-                  <a:srgbClr val="FFFFFF"/>
-                </a:solidFill>
-              </a14:hiddenFill>
-            </a:ext>
-          </a:extLst>
-        </p:spPr>
-      </p:pic>
-    </p:spTree>
-    <p:extLst>
-      <p:ext uri="{BB962C8B-B14F-4D97-AF65-F5344CB8AC3E}">
-        <p14:creationId xmlns:p14="http://schemas.microsoft.com/office/powerpoint/2010/main" val="259649539"/>
-      </p:ext>
-    </p:extLst>
-  </p:cSld>
-  <p:clrMapOvr>
-    <a:masterClrMapping/>
-  </p:clrMapOvr>
-</p:sld>
-</file>
-
-<file path=ppt/slides/slide8.xml><?xml version="1.0" encoding="utf-8"?>
-<p:sld xmlns:a="http://schemas.openxmlformats.org/drawingml/2006/main" xmlns:r="http://schemas.openxmlformats.org/officeDocument/2006/relationships" xmlns:p="http://schemas.openxmlformats.org/presentationml/2006/main">
-  <p:cSld>
-    <p:spTree>
-      <p:nvGrpSpPr>
-        <p:cNvPr id="1" name=""/>
-        <p:cNvGrpSpPr/>
-        <p:nvPr/>
-      </p:nvGrpSpPr>
-      <p:grpSpPr>
-        <a:xfrm>
-          <a:off x="0" y="0"/>
-          <a:ext cx="0" cy="0"/>
-          <a:chOff x="0" y="0"/>
-          <a:chExt cx="0" cy="0"/>
-        </a:xfrm>
-      </p:grpSpPr>
-      <p:sp>
-        <p:nvSpPr>
-          <p:cNvPr id="4" name="Title 3">
-            <a:extLst>
-              <a:ext uri="{FF2B5EF4-FFF2-40B4-BE49-F238E27FC236}">
-                <a16:creationId xmlns:a16="http://schemas.microsoft.com/office/drawing/2014/main" id="{287AB0C6-E966-43A1-9FE3-A9630EB3AA20}"/>
-              </a:ext>
-            </a:extLst>
-          </p:cNvPr>
-          <p:cNvSpPr>
-            <a:spLocks noGrp="1"/>
-          </p:cNvSpPr>
-          <p:nvPr>
-            <p:ph type="title"/>
-          </p:nvPr>
-        </p:nvSpPr>
-        <p:spPr/>
-        <p:txBody>
-          <a:bodyPr/>
-          <a:lstStyle/>
-          <a:p>
-            <a:r>
-              <a:rPr lang="en-US" altLang="ko-KR" dirty="0"/>
-              <a:t>Azure Mobile App</a:t>
-            </a:r>
-            <a:endParaRPr lang="ko-KR" altLang="en-US" dirty="0"/>
-          </a:p>
-        </p:txBody>
-      </p:sp>
-      <p:sp>
-        <p:nvSpPr>
-          <p:cNvPr id="3" name="Content Placeholder 2">
-            <a:extLst>
-              <a:ext uri="{FF2B5EF4-FFF2-40B4-BE49-F238E27FC236}">
-                <a16:creationId xmlns:a16="http://schemas.microsoft.com/office/drawing/2014/main" id="{F836234E-541E-42A2-97C2-941650033EFD}"/>
-              </a:ext>
-            </a:extLst>
-          </p:cNvPr>
-          <p:cNvSpPr>
-            <a:spLocks noGrp="1"/>
-          </p:cNvSpPr>
-          <p:nvPr>
-            <p:ph idx="1"/>
-          </p:nvPr>
-        </p:nvSpPr>
-        <p:spPr/>
-        <p:txBody>
-          <a:bodyPr/>
-          <a:lstStyle/>
-          <a:p>
-            <a:r>
-              <a:rPr lang="ko-KR" altLang="en-US" dirty="0"/>
-              <a:t>네이티브 및 크로스 플랫폼 앱 개발시 </a:t>
-            </a:r>
-            <a:r>
-              <a:rPr lang="en-US" altLang="ko-KR" dirty="0"/>
-              <a:t>SDK</a:t>
-            </a:r>
-            <a:r>
-              <a:rPr lang="ko-KR" altLang="en-US" dirty="0"/>
-              <a:t>이용하여 앱 서비스 사용가능</a:t>
-            </a:r>
-            <a:endParaRPr lang="en-US" altLang="ko-KR" dirty="0"/>
-          </a:p>
-          <a:p>
-            <a:r>
-              <a:rPr lang="ko-KR" altLang="en-US" dirty="0"/>
-              <a:t>기업 시스템과 연계하여 통합 계정 관리등의 시나리오 구성 가능</a:t>
-            </a:r>
-            <a:endParaRPr lang="en-US" altLang="ko-KR" dirty="0"/>
-          </a:p>
-          <a:p>
-            <a:r>
-              <a:rPr lang="ko-KR" altLang="en-US" dirty="0"/>
-              <a:t>오프라인 데이터 싱크 기능을 쉽게 구축 가능 </a:t>
-            </a:r>
-            <a:endParaRPr lang="en-US" altLang="ko-KR" dirty="0"/>
-          </a:p>
-          <a:p>
-            <a:r>
-              <a:rPr lang="ko-KR" altLang="en-US" dirty="0"/>
-              <a:t>푸쉬 알림 기능을 쉽게 구현 가능 </a:t>
-            </a:r>
-            <a:endParaRPr lang="en-US" altLang="ko-KR" dirty="0"/>
-          </a:p>
-        </p:txBody>
-      </p:sp>
-    </p:spTree>
-    <p:extLst>
-      <p:ext uri="{BB962C8B-B14F-4D97-AF65-F5344CB8AC3E}">
-        <p14:creationId xmlns:p14="http://schemas.microsoft.com/office/powerpoint/2010/main" val="224712793"/>
-      </p:ext>
-    </p:extLst>
-  </p:cSld>
-  <p:clrMapOvr>
-    <a:masterClrMapping/>
-  </p:clrMapOvr>
-</p:sld>
-</file>
-
-<file path=ppt/slides/slide9.xml><?xml version="1.0" encoding="utf-8"?>
-<p:sld xmlns:a="http://schemas.openxmlformats.org/drawingml/2006/main" xmlns:r="http://schemas.openxmlformats.org/officeDocument/2006/relationships" xmlns:p="http://schemas.openxmlformats.org/presentationml/2006/main">
-  <p:cSld>
-    <p:spTree>
-      <p:nvGrpSpPr>
-        <p:cNvPr id="1" name=""/>
-        <p:cNvGrpSpPr/>
-        <p:nvPr/>
-      </p:nvGrpSpPr>
-      <p:grpSpPr>
-        <a:xfrm>
-          <a:off x="0" y="0"/>
-          <a:ext cx="0" cy="0"/>
-          <a:chOff x="0" y="0"/>
-          <a:chExt cx="0" cy="0"/>
-        </a:xfrm>
-      </p:grpSpPr>
-      <p:sp>
-        <p:nvSpPr>
-          <p:cNvPr id="2" name="Title 1">
-            <a:extLst>
-              <a:ext uri="{FF2B5EF4-FFF2-40B4-BE49-F238E27FC236}">
-                <a16:creationId xmlns:a16="http://schemas.microsoft.com/office/drawing/2014/main" id="{547B4A56-CB51-405C-8108-D64DC89B1377}"/>
-              </a:ext>
-            </a:extLst>
-          </p:cNvPr>
-          <p:cNvSpPr>
-            <a:spLocks noGrp="1"/>
-          </p:cNvSpPr>
-          <p:nvPr>
-            <p:ph type="title"/>
-          </p:nvPr>
-        </p:nvSpPr>
-        <p:spPr/>
-        <p:txBody>
-          <a:bodyPr/>
-          <a:lstStyle/>
-          <a:p>
-            <a:r>
-              <a:rPr lang="ko-KR" altLang="en-US" dirty="0"/>
-              <a:t>인증 및 허가 </a:t>
-            </a:r>
-          </a:p>
-        </p:txBody>
-      </p:sp>
-      <p:sp>
-        <p:nvSpPr>
-          <p:cNvPr id="3" name="Content Placeholder 2">
-            <a:extLst>
-              <a:ext uri="{FF2B5EF4-FFF2-40B4-BE49-F238E27FC236}">
-                <a16:creationId xmlns:a16="http://schemas.microsoft.com/office/drawing/2014/main" id="{B4F86EE0-771C-4204-A63B-92152516D73A}"/>
-              </a:ext>
-            </a:extLst>
-          </p:cNvPr>
-          <p:cNvSpPr>
-            <a:spLocks noGrp="1"/>
-          </p:cNvSpPr>
-          <p:nvPr>
-            <p:ph idx="1"/>
-          </p:nvPr>
-        </p:nvSpPr>
-        <p:spPr/>
-        <p:txBody>
-          <a:bodyPr/>
-          <a:lstStyle/>
-          <a:p>
-            <a:r>
-              <a:rPr lang="en-US" altLang="ko-KR" dirty="0"/>
-              <a:t>Azure Active Directory</a:t>
-            </a:r>
-            <a:r>
-              <a:rPr lang="ko-KR" altLang="en-US" dirty="0"/>
-              <a:t>를 비롯하여 </a:t>
-            </a:r>
-            <a:r>
-              <a:rPr lang="en-US" altLang="ko-KR" dirty="0"/>
-              <a:t>Facebook, Google, Twitter </a:t>
-            </a:r>
-            <a:r>
-              <a:rPr lang="ko-KR" altLang="en-US" dirty="0"/>
-              <a:t>및 </a:t>
-            </a:r>
-            <a:r>
-              <a:rPr lang="en-US" altLang="ko-KR" dirty="0"/>
-              <a:t>Microsoft Account</a:t>
-            </a:r>
-            <a:r>
-              <a:rPr lang="ko-KR" altLang="en-US" dirty="0"/>
-              <a:t>와 같은 소셜 공급자를 비롯하여 계속 늘어나는 </a:t>
-            </a:r>
-            <a:r>
-              <a:rPr lang="en-US" altLang="ko-KR" dirty="0"/>
-              <a:t>ID </a:t>
-            </a:r>
-            <a:r>
-              <a:rPr lang="ko-KR" altLang="en-US" dirty="0"/>
-              <a:t>공급자 목록에서 선택하십시오</a:t>
-            </a:r>
-            <a:r>
-              <a:rPr lang="en-US" altLang="ko-KR" dirty="0"/>
-              <a:t>.</a:t>
-            </a:r>
-          </a:p>
-          <a:p>
-            <a:r>
-              <a:rPr lang="en-US" altLang="ko-KR" dirty="0"/>
-              <a:t> Azure </a:t>
-            </a:r>
-            <a:r>
-              <a:rPr lang="ko-KR" altLang="en-US" dirty="0"/>
-              <a:t>모바일 앱은 각 제공 업체에 대해 </a:t>
-            </a:r>
-            <a:r>
-              <a:rPr lang="en-US" altLang="ko-KR" dirty="0"/>
-              <a:t>OAuth 2.0 </a:t>
-            </a:r>
-            <a:r>
-              <a:rPr lang="ko-KR" altLang="en-US" dirty="0"/>
-              <a:t>서비스를 제공합니다</a:t>
-            </a:r>
-            <a:r>
-              <a:rPr lang="en-US" altLang="ko-KR" dirty="0"/>
-              <a:t>. </a:t>
-            </a:r>
-          </a:p>
-          <a:p>
-            <a:r>
-              <a:rPr lang="ko-KR" altLang="en-US" dirty="0"/>
-              <a:t>또한 공급자 별 기능에 대한 </a:t>
-            </a:r>
-            <a:r>
-              <a:rPr lang="en-US" altLang="ko-KR" dirty="0"/>
-              <a:t>ID </a:t>
-            </a:r>
-            <a:r>
-              <a:rPr lang="ko-KR" altLang="en-US" dirty="0"/>
-              <a:t>공급자 용 </a:t>
-            </a:r>
-            <a:r>
-              <a:rPr lang="en-US" altLang="ko-KR" dirty="0"/>
-              <a:t>SDK</a:t>
-            </a:r>
-            <a:r>
-              <a:rPr lang="ko-KR" altLang="en-US" dirty="0"/>
-              <a:t>를 통합 할 수도 있습니다</a:t>
-            </a:r>
-            <a:r>
-              <a:rPr lang="en-US" altLang="ko-KR" dirty="0"/>
-              <a:t>.</a:t>
-            </a:r>
-            <a:endParaRPr lang="ko-KR" altLang="en-US" dirty="0"/>
-          </a:p>
-          <a:p>
-            <a:endParaRPr lang="ko-KR" altLang="en-US" dirty="0"/>
-          </a:p>
-        </p:txBody>
-      </p:sp>
-    </p:spTree>
-    <p:extLst>
-      <p:ext uri="{BB962C8B-B14F-4D97-AF65-F5344CB8AC3E}">
-        <p14:creationId xmlns:p14="http://schemas.microsoft.com/office/powerpoint/2010/main" val="2240618334"/>
       </p:ext>
     </p:extLst>
   </p:cSld>

--- a/Azure Mobile App/Azure Mobile App.pptx
+++ b/Azure Mobile App/Azure Mobile App.pptx
@@ -212,7 +212,7 @@
           <a:p>
             <a:fld id="{6C74602A-FC02-4FF8-B8B4-4B2214C56E99}" type="datetimeFigureOut">
               <a:rPr lang="ko-KR" altLang="en-US" smtClean="0"/>
-              <a:t>2017-03-27</a:t>
+              <a:t>2017-03-28</a:t>
             </a:fld>
             <a:endParaRPr lang="ko-KR" altLang="en-US"/>
           </a:p>
@@ -1317,7 +1317,7 @@
           <a:p>
             <a:fld id="{52137FF3-E7CF-4C73-A72E-D91F87A82788}" type="datetimeFigureOut">
               <a:rPr lang="ko-KR" altLang="en-US" smtClean="0"/>
-              <a:t>2017-03-27</a:t>
+              <a:t>2017-03-28</a:t>
             </a:fld>
             <a:endParaRPr lang="ko-KR" altLang="en-US"/>
           </a:p>
@@ -1517,7 +1517,7 @@
           <a:p>
             <a:fld id="{52137FF3-E7CF-4C73-A72E-D91F87A82788}" type="datetimeFigureOut">
               <a:rPr lang="ko-KR" altLang="en-US" smtClean="0"/>
-              <a:t>2017-03-27</a:t>
+              <a:t>2017-03-28</a:t>
             </a:fld>
             <a:endParaRPr lang="ko-KR" altLang="en-US"/>
           </a:p>
@@ -1727,7 +1727,7 @@
           <a:p>
             <a:fld id="{52137FF3-E7CF-4C73-A72E-D91F87A82788}" type="datetimeFigureOut">
               <a:rPr lang="ko-KR" altLang="en-US" smtClean="0"/>
-              <a:t>2017-03-27</a:t>
+              <a:t>2017-03-28</a:t>
             </a:fld>
             <a:endParaRPr lang="ko-KR" altLang="en-US"/>
           </a:p>
@@ -26188,7 +26188,7 @@
           <a:p>
             <a:fld id="{52137FF3-E7CF-4C73-A72E-D91F87A82788}" type="datetimeFigureOut">
               <a:rPr lang="ko-KR" altLang="en-US" smtClean="0"/>
-              <a:t>2017-03-27</a:t>
+              <a:t>2017-03-28</a:t>
             </a:fld>
             <a:endParaRPr lang="ko-KR" altLang="en-US"/>
           </a:p>
@@ -27822,7 +27822,7 @@
           <a:p>
             <a:fld id="{52137FF3-E7CF-4C73-A72E-D91F87A82788}" type="datetimeFigureOut">
               <a:rPr lang="ko-KR" altLang="en-US" smtClean="0"/>
-              <a:t>2017-03-27</a:t>
+              <a:t>2017-03-28</a:t>
             </a:fld>
             <a:endParaRPr lang="ko-KR" altLang="en-US"/>
           </a:p>
@@ -28090,7 +28090,7 @@
           <a:p>
             <a:fld id="{52137FF3-E7CF-4C73-A72E-D91F87A82788}" type="datetimeFigureOut">
               <a:rPr lang="ko-KR" altLang="en-US" smtClean="0"/>
-              <a:t>2017-03-27</a:t>
+              <a:t>2017-03-28</a:t>
             </a:fld>
             <a:endParaRPr lang="ko-KR" altLang="en-US"/>
           </a:p>
@@ -28505,7 +28505,7 @@
           <a:p>
             <a:fld id="{52137FF3-E7CF-4C73-A72E-D91F87A82788}" type="datetimeFigureOut">
               <a:rPr lang="ko-KR" altLang="en-US" smtClean="0"/>
-              <a:t>2017-03-27</a:t>
+              <a:t>2017-03-28</a:t>
             </a:fld>
             <a:endParaRPr lang="ko-KR" altLang="en-US"/>
           </a:p>
@@ -28647,7 +28647,7 @@
           <a:p>
             <a:fld id="{52137FF3-E7CF-4C73-A72E-D91F87A82788}" type="datetimeFigureOut">
               <a:rPr lang="ko-KR" altLang="en-US" smtClean="0"/>
-              <a:t>2017-03-27</a:t>
+              <a:t>2017-03-28</a:t>
             </a:fld>
             <a:endParaRPr lang="ko-KR" altLang="en-US"/>
           </a:p>
@@ -28760,7 +28760,7 @@
           <a:p>
             <a:fld id="{52137FF3-E7CF-4C73-A72E-D91F87A82788}" type="datetimeFigureOut">
               <a:rPr lang="ko-KR" altLang="en-US" smtClean="0"/>
-              <a:t>2017-03-27</a:t>
+              <a:t>2017-03-28</a:t>
             </a:fld>
             <a:endParaRPr lang="ko-KR" altLang="en-US"/>
           </a:p>
@@ -29073,7 +29073,7 @@
           <a:p>
             <a:fld id="{52137FF3-E7CF-4C73-A72E-D91F87A82788}" type="datetimeFigureOut">
               <a:rPr lang="ko-KR" altLang="en-US" smtClean="0"/>
-              <a:t>2017-03-27</a:t>
+              <a:t>2017-03-28</a:t>
             </a:fld>
             <a:endParaRPr lang="ko-KR" altLang="en-US"/>
           </a:p>
@@ -29362,7 +29362,7 @@
           <a:p>
             <a:fld id="{52137FF3-E7CF-4C73-A72E-D91F87A82788}" type="datetimeFigureOut">
               <a:rPr lang="ko-KR" altLang="en-US" smtClean="0"/>
-              <a:t>2017-03-27</a:t>
+              <a:t>2017-03-28</a:t>
             </a:fld>
             <a:endParaRPr lang="ko-KR" altLang="en-US"/>
           </a:p>
@@ -29605,7 +29605,7 @@
           <a:p>
             <a:fld id="{52137FF3-E7CF-4C73-A72E-D91F87A82788}" type="datetimeFigureOut">
               <a:rPr lang="ko-KR" altLang="en-US" smtClean="0"/>
-              <a:t>2017-03-27</a:t>
+              <a:t>2017-03-28</a:t>
             </a:fld>
             <a:endParaRPr lang="ko-KR" altLang="en-US"/>
           </a:p>
@@ -31140,6 +31140,11 @@
           <a:bodyPr/>
           <a:lstStyle/>
           <a:p>
+            <a:pPr>
+              <a:lnSpc>
+                <a:spcPct val="150000"/>
+              </a:lnSpc>
+            </a:pPr>
             <a:r>
               <a:rPr lang="ko-KR" altLang="en-US" dirty="0"/>
               <a:t>네이티브 및 크로스 플랫폼 앱 개발시에 유용한 서비스</a:t>
@@ -31147,6 +31152,11 @@
             <a:endParaRPr lang="en-US" altLang="ko-KR" dirty="0"/>
           </a:p>
           <a:p>
+            <a:pPr>
+              <a:lnSpc>
+                <a:spcPct val="150000"/>
+              </a:lnSpc>
+            </a:pPr>
             <a:r>
               <a:rPr lang="ko-KR" altLang="en-US" dirty="0"/>
               <a:t>기업 시스템과 연계하여 통합 계정 관리등의 시나리오 구성 가능</a:t>
@@ -31154,6 +31164,11 @@
             <a:endParaRPr lang="en-US" altLang="ko-KR" dirty="0"/>
           </a:p>
           <a:p>
+            <a:pPr>
+              <a:lnSpc>
+                <a:spcPct val="150000"/>
+              </a:lnSpc>
+            </a:pPr>
             <a:r>
               <a:rPr lang="ko-KR" altLang="en-US" dirty="0"/>
               <a:t>오프라인 데이터 싱크 기능을 쉽게 구축 가능 </a:t>
@@ -31161,6 +31176,11 @@
             <a:endParaRPr lang="en-US" altLang="ko-KR" dirty="0"/>
           </a:p>
           <a:p>
+            <a:pPr>
+              <a:lnSpc>
+                <a:spcPct val="150000"/>
+              </a:lnSpc>
+            </a:pPr>
             <a:r>
               <a:rPr lang="ko-KR" altLang="en-US" dirty="0"/>
               <a:t>푸쉬 알림 기능을 쉽게 구현 가능 </a:t>
@@ -31248,6 +31268,11 @@
           <a:bodyPr/>
           <a:lstStyle/>
           <a:p>
+            <a:pPr>
+              <a:lnSpc>
+                <a:spcPct val="150000"/>
+              </a:lnSpc>
+            </a:pPr>
             <a:r>
               <a:rPr lang="en-US" altLang="ko-KR" dirty="0"/>
               <a:t>Azure Active Directory</a:t>
@@ -31270,7 +31295,7 @@
             </a:r>
             <a:r>
               <a:rPr lang="ko-KR" altLang="en-US" dirty="0"/>
-              <a:t>와 같은 소셜 공급자를 비롯하여 계속 늘어나는 </a:t>
+              <a:t>와 같은 </a:t>
             </a:r>
             <a:r>
               <a:rPr lang="en-US" altLang="ko-KR" dirty="0"/>
@@ -31278,64 +31303,24 @@
             </a:r>
             <a:r>
               <a:rPr lang="ko-KR" altLang="en-US" dirty="0"/>
-              <a:t>공급자 목록에서 선택하십시오</a:t>
+              <a:t>공급자 목록 중에서 선택가능</a:t>
             </a:r>
-            <a:r>
-              <a:rPr lang="en-US" altLang="ko-KR" dirty="0"/>
-              <a:t>.</a:t>
-            </a:r>
+            <a:endParaRPr lang="en-US" altLang="ko-KR" dirty="0"/>
           </a:p>
           <a:p>
-            <a:r>
-              <a:rPr lang="en-US" altLang="ko-KR" dirty="0"/>
-              <a:t> Azure </a:t>
-            </a:r>
-            <a:r>
-              <a:rPr lang="ko-KR" altLang="en-US" dirty="0"/>
-              <a:t>모바일 앱은 각 제공 업체에 대해 </a:t>
-            </a:r>
+            <a:pPr>
+              <a:lnSpc>
+                <a:spcPct val="150000"/>
+              </a:lnSpc>
+            </a:pPr>
             <a:r>
               <a:rPr lang="en-US" altLang="ko-KR" dirty="0"/>
               <a:t>OAuth 2.0 </a:t>
             </a:r>
             <a:r>
               <a:rPr lang="ko-KR" altLang="en-US" dirty="0"/>
-              <a:t>서비스를 제공합니다</a:t>
+              <a:t>서비스를 제공</a:t>
             </a:r>
-            <a:r>
-              <a:rPr lang="en-US" altLang="ko-KR" dirty="0"/>
-              <a:t>. </a:t>
-            </a:r>
-          </a:p>
-          <a:p>
-            <a:r>
-              <a:rPr lang="ko-KR" altLang="en-US" dirty="0"/>
-              <a:t>또한 공급자 별 기능에 대한 </a:t>
-            </a:r>
-            <a:r>
-              <a:rPr lang="en-US" altLang="ko-KR" dirty="0"/>
-              <a:t>ID </a:t>
-            </a:r>
-            <a:r>
-              <a:rPr lang="ko-KR" altLang="en-US" dirty="0"/>
-              <a:t>공급자 용 </a:t>
-            </a:r>
-            <a:r>
-              <a:rPr lang="en-US" altLang="ko-KR" dirty="0"/>
-              <a:t>SDK</a:t>
-            </a:r>
-            <a:r>
-              <a:rPr lang="ko-KR" altLang="en-US" dirty="0"/>
-              <a:t>를 통합 할 수도 있습니다</a:t>
-            </a:r>
-            <a:r>
-              <a:rPr lang="en-US" altLang="ko-KR" dirty="0"/>
-              <a:t>.</a:t>
-            </a:r>
-            <a:endParaRPr lang="ko-KR" altLang="en-US" dirty="0"/>
-          </a:p>
-          <a:p>
-            <a:endParaRPr lang="ko-KR" altLang="en-US" dirty="0"/>
           </a:p>
         </p:txBody>
       </p:sp>
@@ -31418,21 +31403,18 @@
           <a:bodyPr/>
           <a:lstStyle/>
           <a:p>
-            <a:r>
-              <a:rPr lang="en-US" altLang="ko-KR" dirty="0"/>
-              <a:t>Azure Mobile Apps</a:t>
-            </a:r>
-            <a:r>
-              <a:rPr lang="ko-KR" altLang="en-US" dirty="0"/>
-              <a:t>는 </a:t>
-            </a:r>
+            <a:pPr>
+              <a:lnSpc>
+                <a:spcPct val="150000"/>
+              </a:lnSpc>
+            </a:pPr>
             <a:r>
               <a:rPr lang="en-US" altLang="ko-KR" dirty="0"/>
               <a:t>SQL Azure </a:t>
             </a:r>
             <a:r>
               <a:rPr lang="ko-KR" altLang="en-US" dirty="0"/>
-              <a:t>또는 온 프레미스 </a:t>
+              <a:t>또는 </a:t>
             </a:r>
             <a:r>
               <a:rPr lang="en-US" altLang="ko-KR" dirty="0"/>
@@ -31440,7 +31422,7 @@
             </a:r>
             <a:r>
               <a:rPr lang="ko-KR" altLang="en-US" dirty="0"/>
-              <a:t>에 연결된 모바일 친화적 인 </a:t>
+              <a:t>에 연결된 모바일에 적합한 </a:t>
             </a:r>
             <a:r>
               <a:rPr lang="en-US" altLang="ko-KR" dirty="0"/>
@@ -31448,52 +31430,16 @@
             </a:r>
             <a:r>
               <a:rPr lang="ko-KR" altLang="en-US" dirty="0"/>
-              <a:t>데이터 소스를 제공합니다</a:t>
+              <a:t>데이터 소스를 제공</a:t>
             </a:r>
-            <a:r>
-              <a:rPr lang="en-US" altLang="ko-KR" dirty="0"/>
-              <a:t>. </a:t>
-            </a:r>
-          </a:p>
-          <a:p>
-            <a:r>
-              <a:rPr lang="ko-KR" altLang="en-US" dirty="0"/>
-              <a:t>이 서비스는 </a:t>
-            </a:r>
-            <a:r>
-              <a:rPr lang="en-US" altLang="ko-KR" dirty="0"/>
-              <a:t>Entity Framework</a:t>
-            </a:r>
-            <a:r>
-              <a:rPr lang="ko-KR" altLang="en-US" dirty="0"/>
-              <a:t>를 기반으로 작업이 가능합니다</a:t>
-            </a:r>
-            <a:r>
-              <a:rPr lang="en-US" altLang="ko-KR" dirty="0"/>
-              <a:t>.</a:t>
-            </a:r>
-            <a:br>
-              <a:rPr lang="en-US" altLang="ko-KR" dirty="0"/>
-            </a:br>
             <a:endParaRPr lang="en-US" altLang="ko-KR" dirty="0"/>
           </a:p>
           <a:p>
-            <a:r>
-              <a:rPr lang="en-US" altLang="ko-KR" dirty="0"/>
-              <a:t>Office 365 </a:t>
-            </a:r>
-            <a:r>
-              <a:rPr lang="ko-KR" altLang="en-US" dirty="0"/>
-              <a:t>및 </a:t>
-            </a:r>
-            <a:r>
-              <a:rPr lang="en-US" altLang="ko-KR" dirty="0"/>
-              <a:t>Salesforce.com</a:t>
-            </a:r>
-            <a:r>
-              <a:rPr lang="ko-KR" altLang="en-US" dirty="0"/>
-              <a:t>과 같은 </a:t>
-            </a:r>
+            <a:pPr>
+              <a:lnSpc>
+                <a:spcPct val="150000"/>
+              </a:lnSpc>
+            </a:pPr>
             <a:r>
               <a:rPr lang="en-US" altLang="ko-KR" dirty="0"/>
               <a:t>Azure </a:t>
@@ -31508,23 +31454,15 @@
             </a:r>
             <a:r>
               <a:rPr lang="ko-KR" altLang="en-US" dirty="0"/>
-              <a:t>및 </a:t>
+              <a:t>및 다른 </a:t>
             </a:r>
             <a:r>
               <a:rPr lang="en-US" altLang="ko-KR" dirty="0"/>
-              <a:t>SaaS API </a:t>
+              <a:t>NoSQL,</a:t>
             </a:r>
             <a:r>
               <a:rPr lang="ko-KR" altLang="en-US" dirty="0"/>
-              <a:t>공급자를 비롯한 다른 </a:t>
-            </a:r>
-            <a:r>
-              <a:rPr lang="en-US" altLang="ko-KR" dirty="0"/>
-              <a:t>NoSQL </a:t>
-            </a:r>
-            <a:r>
-              <a:rPr lang="ko-KR" altLang="en-US" dirty="0"/>
-              <a:t>및 </a:t>
+              <a:t> </a:t>
             </a:r>
             <a:r>
               <a:rPr lang="en-US" altLang="ko-KR" dirty="0"/>
@@ -31532,15 +31470,15 @@
             </a:r>
             <a:r>
               <a:rPr lang="ko-KR" altLang="en-US" dirty="0"/>
-              <a:t>데이터 공급자와 쉽게 통합 할 수 있습니다</a:t>
+              <a:t>데이터와 쉽게 통합 가능</a:t>
             </a:r>
-            <a:r>
-              <a:rPr lang="en-US" altLang="ko-KR" dirty="0"/>
-              <a:t>.</a:t>
-            </a:r>
+            <a:endParaRPr lang="en-US" altLang="ko-KR" dirty="0"/>
           </a:p>
           <a:p>
             <a:pPr marL="0" indent="0">
+              <a:lnSpc>
+                <a:spcPct val="150000"/>
+              </a:lnSpc>
               <a:buNone/>
             </a:pPr>
             <a:endParaRPr lang="ko-KR" altLang="en-US" dirty="0"/>
@@ -31626,16 +31564,23 @@
           <a:bodyPr/>
           <a:lstStyle/>
           <a:p>
+            <a:pPr>
+              <a:lnSpc>
+                <a:spcPct val="150000"/>
+              </a:lnSpc>
+            </a:pPr>
             <a:r>
               <a:rPr lang="ko-KR" altLang="en-US" dirty="0"/>
-              <a:t>애플리케이션이 오프라인 일 때에도 데이터를 조회하고 입력할 수 있게 하는 기능인 오프라인 싱크 기능을 쉽고 빠르게 구축할 수 있습니다</a:t>
+              <a:t>애플리케이션이 오프라인 일 때에도 데이터를 조회하고 입력할 수 있게 하는 기능인 오프라인 싱크 기능을 쉽고 빠르게 구축</a:t>
             </a:r>
-            <a:r>
-              <a:rPr lang="en-US" altLang="ko-KR" dirty="0"/>
-              <a:t>.</a:t>
-            </a:r>
+            <a:endParaRPr lang="en-US" altLang="ko-KR" dirty="0"/>
           </a:p>
           <a:p>
+            <a:pPr>
+              <a:lnSpc>
+                <a:spcPct val="150000"/>
+              </a:lnSpc>
+            </a:pPr>
             <a:r>
               <a:rPr lang="ko-KR" altLang="en-US" dirty="0"/>
               <a:t>클라이언트 </a:t>
@@ -31646,13 +31591,8 @@
             </a:r>
             <a:r>
               <a:rPr lang="ko-KR" altLang="en-US" dirty="0"/>
-              <a:t>에 구성되어 있는 메소드를 이용하여 쉽게 구축할 수 있습니다</a:t>
+              <a:t>에 구성되어 있는 메소드를 이용하여 쉽게 구축</a:t>
             </a:r>
-            <a:r>
-              <a:rPr lang="en-US" altLang="ko-KR" dirty="0"/>
-              <a:t>. </a:t>
-            </a:r>
-            <a:endParaRPr lang="ko-KR" altLang="en-US" dirty="0"/>
           </a:p>
         </p:txBody>
       </p:sp>
